--- a/Capstone_Presentation.pptx
+++ b/Capstone_Presentation.pptx
@@ -11855,7 +11855,7 @@
         </p:nvSpPr>
         <p:spPr>
           <a:xfrm>
-            <a:off x="286627" y="2863814"/>
+            <a:off x="286627" y="2666146"/>
             <a:ext cx="978667" cy="510778"/>
           </a:xfrm>
           <a:prstGeom prst="roundRect">
@@ -11906,7 +11906,7 @@
         </p:nvSpPr>
         <p:spPr>
           <a:xfrm>
-            <a:off x="286627" y="3644640"/>
+            <a:off x="286627" y="3446972"/>
             <a:ext cx="978667" cy="510778"/>
           </a:xfrm>
           <a:prstGeom prst="roundRect">
@@ -11957,7 +11957,7 @@
         </p:nvSpPr>
         <p:spPr>
           <a:xfrm>
-            <a:off x="286627" y="4432248"/>
+            <a:off x="286627" y="4234580"/>
             <a:ext cx="978667" cy="510778"/>
           </a:xfrm>
           <a:prstGeom prst="roundRect">
@@ -12016,7 +12016,7 @@
         </p:nvCxnSpPr>
         <p:spPr>
           <a:xfrm>
-            <a:off x="775961" y="3374592"/>
+            <a:off x="775961" y="3176924"/>
             <a:ext cx="0" cy="270048"/>
           </a:xfrm>
           <a:prstGeom prst="straightConnector1">
@@ -12059,7 +12059,7 @@
         </p:nvCxnSpPr>
         <p:spPr>
           <a:xfrm>
-            <a:off x="775961" y="4155418"/>
+            <a:off x="775961" y="3957750"/>
             <a:ext cx="0" cy="276830"/>
           </a:xfrm>
           <a:prstGeom prst="straightConnector1">
@@ -12215,8 +12215,8 @@
         </p:nvSpPr>
         <p:spPr>
           <a:xfrm>
-            <a:off x="286631" y="5214879"/>
-            <a:ext cx="978658" cy="715089"/>
+            <a:off x="286631" y="5020390"/>
+            <a:ext cx="978658" cy="1104067"/>
           </a:xfrm>
           <a:prstGeom prst="roundRect">
             <a:avLst/>
@@ -12250,6 +12250,13 @@
               <a:t>Creation of dummy columns</a:t>
             </a:r>
           </a:p>
+          <a:p>
+            <a:pPr algn="ctr"/>
+            <a:r>
+              <a:rPr lang="en-SG" sz="1200" dirty="0"/>
+              <a:t>(for gene &amp; variation)</a:t>
+            </a:r>
+          </a:p>
         </p:txBody>
       </p:sp>
       <p:cxnSp>
@@ -12270,8 +12277,8 @@
         </p:nvCxnSpPr>
         <p:spPr>
           <a:xfrm flipH="1">
-            <a:off x="775960" y="4943026"/>
-            <a:ext cx="1" cy="271853"/>
+            <a:off x="775960" y="4745358"/>
+            <a:ext cx="1" cy="275032"/>
           </a:xfrm>
           <a:prstGeom prst="straightConnector1">
             <a:avLst/>
@@ -15583,24 +15590,6 @@
 </file>
 
 <file path=customXml/item1.xml><?xml version="1.0" encoding="utf-8"?>
-<p:properties xmlns:p="http://schemas.microsoft.com/office/2006/metadata/properties" xmlns:xsi="http://www.w3.org/2001/XMLSchema-instance" xmlns:pc="http://schemas.microsoft.com/office/infopath/2007/PartnerControls">
-  <documentManagement>
-    <Status xmlns="71af3243-3dd4-4a8d-8c0d-dd76da1f02a5">Not started</Status>
-    <MediaServiceKeyPoints xmlns="71af3243-3dd4-4a8d-8c0d-dd76da1f02a5" xsi:nil="true"/>
-  </documentManagement>
-</p:properties>
-</file>
-
-<file path=customXml/item2.xml><?xml version="1.0" encoding="utf-8"?>
-<?mso-contentType ?>
-<FormTemplates xmlns="http://schemas.microsoft.com/sharepoint/v3/contenttype/forms">
-  <Display>DocumentLibraryForm</Display>
-  <Edit>DocumentLibraryForm</Edit>
-  <New>DocumentLibraryForm</New>
-</FormTemplates>
-</file>
-
-<file path=customXml/item3.xml><?xml version="1.0" encoding="utf-8"?>
 <ct:contentTypeSchema xmlns:ct="http://schemas.microsoft.com/office/2006/metadata/contentType" xmlns:ma="http://schemas.microsoft.com/office/2006/metadata/properties/metaAttributes" ct:_="" ma:_="" ma:contentTypeName="Document" ma:contentTypeID="0x01010079F111ED35F8CC479449609E8A0923A6" ma:contentTypeVersion="12" ma:contentTypeDescription="Create a new document." ma:contentTypeScope="" ma:versionID="93813dd7ca6ad654711aa0ab317e03a3">
   <xsd:schema xmlns:xsd="http://www.w3.org/2001/XMLSchema" xmlns:xs="http://www.w3.org/2001/XMLSchema" xmlns:p="http://schemas.microsoft.com/office/2006/metadata/properties" xmlns:ns2="71af3243-3dd4-4a8d-8c0d-dd76da1f02a5" xmlns:ns3="16c05727-aa75-4e4a-9b5f-8a80a1165891" targetNamespace="http://schemas.microsoft.com/office/2006/metadata/properties" ma:root="true" ma:fieldsID="f11dc0ce689dd3925e84e4e35398c6e7" ns2:_="" ns3:_="">
     <xsd:import namespace="71af3243-3dd4-4a8d-8c0d-dd76da1f02a5"/>
@@ -15821,25 +15810,25 @@
 </ct:contentTypeSchema>
 </file>
 
-<file path=customXml/itemProps1.xml><?xml version="1.0" encoding="utf-8"?>
-<ds:datastoreItem xmlns:ds="http://schemas.openxmlformats.org/officeDocument/2006/customXml" ds:itemID="{55B48092-4A2C-4E16-B971-9ACADFFF69E4}">
-  <ds:schemaRefs>
-    <ds:schemaRef ds:uri="http://schemas.microsoft.com/office/2006/metadata/properties"/>
-    <ds:schemaRef ds:uri="http://schemas.microsoft.com/office/infopath/2007/PartnerControls"/>
-    <ds:schemaRef ds:uri="71af3243-3dd4-4a8d-8c0d-dd76da1f02a5"/>
-  </ds:schemaRefs>
-</ds:datastoreItem>
+<file path=customXml/item2.xml><?xml version="1.0" encoding="utf-8"?>
+<?mso-contentType ?>
+<FormTemplates xmlns="http://schemas.microsoft.com/sharepoint/v3/contenttype/forms">
+  <Display>DocumentLibraryForm</Display>
+  <Edit>DocumentLibraryForm</Edit>
+  <New>DocumentLibraryForm</New>
+</FormTemplates>
 </file>
 
-<file path=customXml/itemProps2.xml><?xml version="1.0" encoding="utf-8"?>
-<ds:datastoreItem xmlns:ds="http://schemas.openxmlformats.org/officeDocument/2006/customXml" ds:itemID="{3E586370-B0FB-4108-8B4F-329716A22E3A}">
-  <ds:schemaRefs>
-    <ds:schemaRef ds:uri="http://schemas.microsoft.com/sharepoint/v3/contenttype/forms"/>
-  </ds:schemaRefs>
-</ds:datastoreItem>
+<file path=customXml/item3.xml><?xml version="1.0" encoding="utf-8"?>
+<p:properties xmlns:p="http://schemas.microsoft.com/office/2006/metadata/properties" xmlns:xsi="http://www.w3.org/2001/XMLSchema-instance" xmlns:pc="http://schemas.microsoft.com/office/infopath/2007/PartnerControls">
+  <documentManagement>
+    <Status xmlns="71af3243-3dd4-4a8d-8c0d-dd76da1f02a5">Not started</Status>
+    <MediaServiceKeyPoints xmlns="71af3243-3dd4-4a8d-8c0d-dd76da1f02a5" xsi:nil="true"/>
+  </documentManagement>
+</p:properties>
 </file>
 
-<file path=customXml/itemProps3.xml><?xml version="1.0" encoding="utf-8"?>
+<file path=customXml/itemProps1.xml><?xml version="1.0" encoding="utf-8"?>
 <ds:datastoreItem xmlns:ds="http://schemas.openxmlformats.org/officeDocument/2006/customXml" ds:itemID="{E503B719-B9A6-4DC9-AA9D-06F16B758BCB}">
   <ds:schemaRefs>
     <ds:schemaRef ds:uri="http://schemas.microsoft.com/office/2006/metadata/contentType"/>
@@ -15856,4 +15845,22 @@
     <ds:schemaRef ds:uri="http://schemas.microsoft.com/internal/obd"/>
   </ds:schemaRefs>
 </ds:datastoreItem>
+</file>
+
+<file path=customXml/itemProps2.xml><?xml version="1.0" encoding="utf-8"?>
+<ds:datastoreItem xmlns:ds="http://schemas.openxmlformats.org/officeDocument/2006/customXml" ds:itemID="{3E586370-B0FB-4108-8B4F-329716A22E3A}">
+  <ds:schemaRefs>
+    <ds:schemaRef ds:uri="http://schemas.microsoft.com/sharepoint/v3/contenttype/forms"/>
+  </ds:schemaRefs>
+</ds:datastoreItem>
+</file>
+
+<file path=customXml/itemProps3.xml><?xml version="1.0" encoding="utf-8"?>
+<ds:datastoreItem xmlns:ds="http://schemas.openxmlformats.org/officeDocument/2006/customXml" ds:itemID="{55B48092-4A2C-4E16-B971-9ACADFFF69E4}">
+  <ds:schemaRefs>
+    <ds:schemaRef ds:uri="http://schemas.microsoft.com/office/2006/metadata/properties"/>
+    <ds:schemaRef ds:uri="http://schemas.microsoft.com/office/infopath/2007/PartnerControls"/>
+    <ds:schemaRef ds:uri="71af3243-3dd4-4a8d-8c0d-dd76da1f02a5"/>
+  </ds:schemaRefs>
+</ds:datastoreItem>
 </file>
--- a/Capstone_Presentation.pptx
+++ b/Capstone_Presentation.pptx
@@ -6624,7 +6624,7 @@
           <a:p>
             <a:fld id="{AF869721-F543-4A6C-BF9D-65D7CC540427}" type="datetimeFigureOut">
               <a:rPr lang="en-US" smtClean="0"/>
-              <a:t>4/2/2020</a:t>
+              <a:t>4/6/2020</a:t>
             </a:fld>
             <a:endParaRPr lang="en-US" dirty="0"/>
           </a:p>
@@ -6801,7 +6801,7 @@
           <a:p>
             <a:fld id="{C732326A-4C88-4AFB-AA5B-5919D81DFF5B}" type="datetimeFigureOut">
               <a:rPr lang="en-US" smtClean="0"/>
-              <a:t>4/2/2020</a:t>
+              <a:t>4/6/2020</a:t>
             </a:fld>
             <a:endParaRPr lang="en-US" dirty="0"/>
           </a:p>
@@ -7650,7 +7650,7 @@
             <a:fld id="{B61BEF0D-F0BB-DE4B-95CE-6DB70DBA9567}" type="datetimeFigureOut">
               <a:rPr lang="en-US" smtClean="0"/>
               <a:pPr/>
-              <a:t>4/2/2020</a:t>
+              <a:t>4/6/2020</a:t>
             </a:fld>
             <a:endParaRPr lang="en-US" dirty="0"/>
           </a:p>
@@ -7914,7 +7914,7 @@
             <a:fld id="{B61BEF0D-F0BB-DE4B-95CE-6DB70DBA9567}" type="datetimeFigureOut">
               <a:rPr lang="en-US" smtClean="0"/>
               <a:pPr/>
-              <a:t>4/2/2020</a:t>
+              <a:t>4/6/2020</a:t>
             </a:fld>
             <a:endParaRPr lang="en-US" dirty="0"/>
           </a:p>
@@ -8151,7 +8151,7 @@
             <a:fld id="{B61BEF0D-F0BB-DE4B-95CE-6DB70DBA9567}" type="datetimeFigureOut">
               <a:rPr lang="en-US" smtClean="0"/>
               <a:pPr/>
-              <a:t>4/2/2020</a:t>
+              <a:t>4/6/2020</a:t>
             </a:fld>
             <a:endParaRPr lang="en-US" dirty="0"/>
           </a:p>
@@ -8393,7 +8393,7 @@
             <a:fld id="{B61BEF0D-F0BB-DE4B-95CE-6DB70DBA9567}" type="datetimeFigureOut">
               <a:rPr lang="en-US" smtClean="0"/>
               <a:pPr/>
-              <a:t>4/2/2020</a:t>
+              <a:t>4/6/2020</a:t>
             </a:fld>
             <a:endParaRPr lang="en-US" dirty="0"/>
           </a:p>
@@ -8701,7 +8701,7 @@
             <a:fld id="{B61BEF0D-F0BB-DE4B-95CE-6DB70DBA9567}" type="datetimeFigureOut">
               <a:rPr lang="en-US" smtClean="0"/>
               <a:pPr/>
-              <a:t>4/2/2020</a:t>
+              <a:t>4/6/2020</a:t>
             </a:fld>
             <a:endParaRPr lang="en-US" dirty="0"/>
           </a:p>
@@ -9005,7 +9005,7 @@
             <a:fld id="{B61BEF0D-F0BB-DE4B-95CE-6DB70DBA9567}" type="datetimeFigureOut">
               <a:rPr lang="en-US" smtClean="0"/>
               <a:pPr/>
-              <a:t>4/2/2020</a:t>
+              <a:t>4/6/2020</a:t>
             </a:fld>
             <a:endParaRPr lang="en-US" dirty="0"/>
           </a:p>
@@ -9429,7 +9429,7 @@
             <a:fld id="{B61BEF0D-F0BB-DE4B-95CE-6DB70DBA9567}" type="datetimeFigureOut">
               <a:rPr lang="en-US" smtClean="0"/>
               <a:pPr/>
-              <a:t>4/2/2020</a:t>
+              <a:t>4/6/2020</a:t>
             </a:fld>
             <a:endParaRPr lang="en-US" dirty="0"/>
           </a:p>
@@ -9526,7 +9526,7 @@
             <a:fld id="{B61BEF0D-F0BB-DE4B-95CE-6DB70DBA9567}" type="datetimeFigureOut">
               <a:rPr lang="en-US" smtClean="0"/>
               <a:pPr/>
-              <a:t>4/2/2020</a:t>
+              <a:t>4/6/2020</a:t>
             </a:fld>
             <a:endParaRPr lang="en-US" dirty="0"/>
           </a:p>
@@ -9690,7 +9690,7 @@
             <a:fld id="{B61BEF0D-F0BB-DE4B-95CE-6DB70DBA9567}" type="datetimeFigureOut">
               <a:rPr lang="en-US" smtClean="0"/>
               <a:pPr/>
-              <a:t>4/2/2020</a:t>
+              <a:t>4/6/2020</a:t>
             </a:fld>
             <a:endParaRPr lang="en-US" dirty="0"/>
           </a:p>
@@ -10070,7 +10070,7 @@
             <a:fld id="{B61BEF0D-F0BB-DE4B-95CE-6DB70DBA9567}" type="datetimeFigureOut">
               <a:rPr lang="en-US" smtClean="0"/>
               <a:pPr/>
-              <a:t>4/2/2020</a:t>
+              <a:t>4/6/2020</a:t>
             </a:fld>
             <a:endParaRPr lang="en-US" dirty="0"/>
           </a:p>
@@ -10361,7 +10361,7 @@
             <a:fld id="{B61BEF0D-F0BB-DE4B-95CE-6DB70DBA9567}" type="datetimeFigureOut">
               <a:rPr lang="en-US" smtClean="0"/>
               <a:pPr/>
-              <a:t>4/2/2020</a:t>
+              <a:t>4/6/2020</a:t>
             </a:fld>
             <a:endParaRPr lang="en-US" dirty="0"/>
           </a:p>
@@ -10574,7 +10574,7 @@
             <a:fld id="{B61BEF0D-F0BB-DE4B-95CE-6DB70DBA9567}" type="datetimeFigureOut">
               <a:rPr lang="en-US" smtClean="0"/>
               <a:pPr/>
-              <a:t>4/2/2020</a:t>
+              <a:t>4/6/2020</a:t>
             </a:fld>
             <a:endParaRPr lang="en-US" dirty="0"/>
           </a:p>
@@ -12417,8 +12417,8 @@
         </p:nvSpPr>
         <p:spPr>
           <a:xfrm>
-            <a:off x="8559243" y="2243144"/>
-            <a:ext cx="1541184" cy="1328023"/>
+            <a:off x="8559243" y="2140989"/>
+            <a:ext cx="1541184" cy="1532334"/>
           </a:xfrm>
           <a:prstGeom prst="roundRect">
             <a:avLst/>
@@ -12497,15 +12497,7 @@
             </a:r>
             <a:r>
               <a:rPr lang="en-SG" sz="1200" dirty="0"/>
-              <a:t>, random </a:t>
-            </a:r>
-            <a:r>
-              <a:rPr lang="en-SG" sz="1200" dirty="0" err="1"/>
-              <a:t>frst</a:t>
-            </a:r>
-            <a:r>
-              <a:rPr lang="en-SG" sz="1200" dirty="0"/>
-              <a:t>, </a:t>
+              <a:t>, random forest, </a:t>
             </a:r>
             <a:r>
               <a:rPr lang="en-SG" sz="1200" dirty="0" err="1"/>
@@ -12728,7 +12720,7 @@
           </a:xfrm>
           <a:prstGeom prst="bentConnector3">
             <a:avLst>
-              <a:gd name="adj1" fmla="val 50000"/>
+              <a:gd name="adj1" fmla="val 6824"/>
             </a:avLst>
           </a:prstGeom>
           <a:ln>
@@ -13177,7 +13169,7 @@
             </a:r>
             <a:r>
               <a:rPr lang="en-SG" sz="1200" dirty="0" err="1"/>
-              <a:t>extratreees</a:t>
+              <a:t>extratrees</a:t>
             </a:r>
             <a:r>
               <a:rPr lang="en-SG" sz="1200" dirty="0"/>

--- a/Capstone_Presentation.pptx
+++ b/Capstone_Presentation.pptx
@@ -5,18 +5,19 @@
     <p:sldMasterId id="2147483672" r:id="rId4"/>
   </p:sldMasterIdLst>
   <p:notesMasterIdLst>
-    <p:notesMasterId r:id="rId11"/>
+    <p:notesMasterId r:id="rId12"/>
   </p:notesMasterIdLst>
   <p:handoutMasterIdLst>
-    <p:handoutMasterId r:id="rId12"/>
+    <p:handoutMasterId r:id="rId13"/>
   </p:handoutMasterIdLst>
   <p:sldIdLst>
     <p:sldId id="256" r:id="rId5"/>
-    <p:sldId id="262" r:id="rId6"/>
-    <p:sldId id="260" r:id="rId7"/>
-    <p:sldId id="263" r:id="rId8"/>
-    <p:sldId id="261" r:id="rId9"/>
-    <p:sldId id="259" r:id="rId10"/>
+    <p:sldId id="264" r:id="rId6"/>
+    <p:sldId id="262" r:id="rId7"/>
+    <p:sldId id="260" r:id="rId8"/>
+    <p:sldId id="263" r:id="rId9"/>
+    <p:sldId id="261" r:id="rId10"/>
+    <p:sldId id="259" r:id="rId11"/>
   </p:sldIdLst>
   <p:sldSz cx="12192000" cy="6858000"/>
   <p:notesSz cx="6858000" cy="9144000"/>
@@ -6624,7 +6625,7 @@
           <a:p>
             <a:fld id="{AF869721-F543-4A6C-BF9D-65D7CC540427}" type="datetimeFigureOut">
               <a:rPr lang="en-US" smtClean="0"/>
-              <a:t>4/6/2020</a:t>
+              <a:t>4/7/2020</a:t>
             </a:fld>
             <a:endParaRPr lang="en-US" dirty="0"/>
           </a:p>
@@ -6801,7 +6802,7 @@
           <a:p>
             <a:fld id="{C732326A-4C88-4AFB-AA5B-5919D81DFF5B}" type="datetimeFigureOut">
               <a:rPr lang="en-US" smtClean="0"/>
-              <a:t>4/6/2020</a:t>
+              <a:t>4/7/2020</a:t>
             </a:fld>
             <a:endParaRPr lang="en-US" dirty="0"/>
           </a:p>
@@ -7217,7 +7218,7 @@
           <a:p>
             <a:fld id="{C6B3AB32-59DF-41F1-9618-EDFBF5049629}" type="slidenum">
               <a:rPr lang="en-US" smtClean="0"/>
-              <a:t>3</a:t>
+              <a:t>4</a:t>
             </a:fld>
             <a:endParaRPr lang="en-US" dirty="0"/>
           </a:p>
@@ -7301,7 +7302,7 @@
           <a:p>
             <a:fld id="{C6B3AB32-59DF-41F1-9618-EDFBF5049629}" type="slidenum">
               <a:rPr lang="en-US" smtClean="0"/>
-              <a:t>5</a:t>
+              <a:t>6</a:t>
             </a:fld>
             <a:endParaRPr lang="en-US" dirty="0"/>
           </a:p>
@@ -7385,7 +7386,7 @@
           <a:p>
             <a:fld id="{C6B3AB32-59DF-41F1-9618-EDFBF5049629}" type="slidenum">
               <a:rPr lang="en-US" smtClean="0"/>
-              <a:t>6</a:t>
+              <a:t>7</a:t>
             </a:fld>
             <a:endParaRPr lang="en-US" dirty="0"/>
           </a:p>
@@ -7650,7 +7651,7 @@
             <a:fld id="{B61BEF0D-F0BB-DE4B-95CE-6DB70DBA9567}" type="datetimeFigureOut">
               <a:rPr lang="en-US" smtClean="0"/>
               <a:pPr/>
-              <a:t>4/6/2020</a:t>
+              <a:t>4/7/2020</a:t>
             </a:fld>
             <a:endParaRPr lang="en-US" dirty="0"/>
           </a:p>
@@ -7914,7 +7915,7 @@
             <a:fld id="{B61BEF0D-F0BB-DE4B-95CE-6DB70DBA9567}" type="datetimeFigureOut">
               <a:rPr lang="en-US" smtClean="0"/>
               <a:pPr/>
-              <a:t>4/6/2020</a:t>
+              <a:t>4/7/2020</a:t>
             </a:fld>
             <a:endParaRPr lang="en-US" dirty="0"/>
           </a:p>
@@ -8151,7 +8152,7 @@
             <a:fld id="{B61BEF0D-F0BB-DE4B-95CE-6DB70DBA9567}" type="datetimeFigureOut">
               <a:rPr lang="en-US" smtClean="0"/>
               <a:pPr/>
-              <a:t>4/6/2020</a:t>
+              <a:t>4/7/2020</a:t>
             </a:fld>
             <a:endParaRPr lang="en-US" dirty="0"/>
           </a:p>
@@ -8393,7 +8394,7 @@
             <a:fld id="{B61BEF0D-F0BB-DE4B-95CE-6DB70DBA9567}" type="datetimeFigureOut">
               <a:rPr lang="en-US" smtClean="0"/>
               <a:pPr/>
-              <a:t>4/6/2020</a:t>
+              <a:t>4/7/2020</a:t>
             </a:fld>
             <a:endParaRPr lang="en-US" dirty="0"/>
           </a:p>
@@ -8701,7 +8702,7 @@
             <a:fld id="{B61BEF0D-F0BB-DE4B-95CE-6DB70DBA9567}" type="datetimeFigureOut">
               <a:rPr lang="en-US" smtClean="0"/>
               <a:pPr/>
-              <a:t>4/6/2020</a:t>
+              <a:t>4/7/2020</a:t>
             </a:fld>
             <a:endParaRPr lang="en-US" dirty="0"/>
           </a:p>
@@ -9005,7 +9006,7 @@
             <a:fld id="{B61BEF0D-F0BB-DE4B-95CE-6DB70DBA9567}" type="datetimeFigureOut">
               <a:rPr lang="en-US" smtClean="0"/>
               <a:pPr/>
-              <a:t>4/6/2020</a:t>
+              <a:t>4/7/2020</a:t>
             </a:fld>
             <a:endParaRPr lang="en-US" dirty="0"/>
           </a:p>
@@ -9429,7 +9430,7 @@
             <a:fld id="{B61BEF0D-F0BB-DE4B-95CE-6DB70DBA9567}" type="datetimeFigureOut">
               <a:rPr lang="en-US" smtClean="0"/>
               <a:pPr/>
-              <a:t>4/6/2020</a:t>
+              <a:t>4/7/2020</a:t>
             </a:fld>
             <a:endParaRPr lang="en-US" dirty="0"/>
           </a:p>
@@ -9526,7 +9527,7 @@
             <a:fld id="{B61BEF0D-F0BB-DE4B-95CE-6DB70DBA9567}" type="datetimeFigureOut">
               <a:rPr lang="en-US" smtClean="0"/>
               <a:pPr/>
-              <a:t>4/6/2020</a:t>
+              <a:t>4/7/2020</a:t>
             </a:fld>
             <a:endParaRPr lang="en-US" dirty="0"/>
           </a:p>
@@ -9690,7 +9691,7 @@
             <a:fld id="{B61BEF0D-F0BB-DE4B-95CE-6DB70DBA9567}" type="datetimeFigureOut">
               <a:rPr lang="en-US" smtClean="0"/>
               <a:pPr/>
-              <a:t>4/6/2020</a:t>
+              <a:t>4/7/2020</a:t>
             </a:fld>
             <a:endParaRPr lang="en-US" dirty="0"/>
           </a:p>
@@ -10070,7 +10071,7 @@
             <a:fld id="{B61BEF0D-F0BB-DE4B-95CE-6DB70DBA9567}" type="datetimeFigureOut">
               <a:rPr lang="en-US" smtClean="0"/>
               <a:pPr/>
-              <a:t>4/6/2020</a:t>
+              <a:t>4/7/2020</a:t>
             </a:fld>
             <a:endParaRPr lang="en-US" dirty="0"/>
           </a:p>
@@ -10361,7 +10362,7 @@
             <a:fld id="{B61BEF0D-F0BB-DE4B-95CE-6DB70DBA9567}" type="datetimeFigureOut">
               <a:rPr lang="en-US" smtClean="0"/>
               <a:pPr/>
-              <a:t>4/6/2020</a:t>
+              <a:t>4/7/2020</a:t>
             </a:fld>
             <a:endParaRPr lang="en-US" dirty="0"/>
           </a:p>
@@ -10574,7 +10575,7 @@
             <a:fld id="{B61BEF0D-F0BB-DE4B-95CE-6DB70DBA9567}" type="datetimeFigureOut">
               <a:rPr lang="en-US" smtClean="0"/>
               <a:pPr/>
-              <a:t>4/6/2020</a:t>
+              <a:t>4/7/2020</a:t>
             </a:fld>
             <a:endParaRPr lang="en-US" dirty="0"/>
           </a:p>
@@ -11596,7 +11597,7 @@
                   <a:srgbClr val="7CEBFF"/>
                 </a:solidFill>
               </a:rPr>
-              <a:t>Cheong Yu Chye – DSI 13 Capstone Project</a:t>
+              <a:t>Cheong Yu Chye – DSI 13 – CAPSTONE Project</a:t>
             </a:r>
           </a:p>
         </p:txBody>
@@ -11615,6 +11616,131 @@
 </file>
 
 <file path=ppt/slides/slide2.xml><?xml version="1.0" encoding="utf-8"?>
+<p:sld xmlns:a="http://schemas.openxmlformats.org/drawingml/2006/main" xmlns:r="http://schemas.openxmlformats.org/officeDocument/2006/relationships" xmlns:p="http://schemas.openxmlformats.org/presentationml/2006/main">
+  <p:cSld>
+    <p:spTree>
+      <p:nvGrpSpPr>
+        <p:cNvPr id="1" name=""/>
+        <p:cNvGrpSpPr/>
+        <p:nvPr/>
+      </p:nvGrpSpPr>
+      <p:grpSpPr>
+        <a:xfrm>
+          <a:off x="0" y="0"/>
+          <a:ext cx="0" cy="0"/>
+          <a:chOff x="0" y="0"/>
+          <a:chExt cx="0" cy="0"/>
+        </a:xfrm>
+      </p:grpSpPr>
+      <p:sp>
+        <p:nvSpPr>
+          <p:cNvPr id="2" name="Title 1">
+            <a:extLst>
+              <a:ext uri="{FF2B5EF4-FFF2-40B4-BE49-F238E27FC236}">
+                <a16:creationId xmlns:a16="http://schemas.microsoft.com/office/drawing/2014/main" id="{39BA7FB9-C2BB-473B-A40F-11BA0E201C0E}"/>
+              </a:ext>
+            </a:extLst>
+          </p:cNvPr>
+          <p:cNvSpPr>
+            <a:spLocks noGrp="1"/>
+          </p:cNvSpPr>
+          <p:nvPr>
+            <p:ph type="title"/>
+          </p:nvPr>
+        </p:nvSpPr>
+        <p:spPr/>
+        <p:txBody>
+          <a:bodyPr/>
+          <a:lstStyle/>
+          <a:p>
+            <a:endParaRPr lang="en-SG"/>
+          </a:p>
+        </p:txBody>
+      </p:sp>
+      <p:sp>
+        <p:nvSpPr>
+          <p:cNvPr id="3" name="Content Placeholder 2">
+            <a:extLst>
+              <a:ext uri="{FF2B5EF4-FFF2-40B4-BE49-F238E27FC236}">
+                <a16:creationId xmlns:a16="http://schemas.microsoft.com/office/drawing/2014/main" id="{13E947E6-B5B6-4A5C-AD03-7C491CC12E92}"/>
+              </a:ext>
+            </a:extLst>
+          </p:cNvPr>
+          <p:cNvSpPr>
+            <a:spLocks noGrp="1"/>
+          </p:cNvSpPr>
+          <p:nvPr>
+            <p:ph idx="1"/>
+          </p:nvPr>
+        </p:nvSpPr>
+        <p:spPr/>
+        <p:txBody>
+          <a:bodyPr/>
+          <a:lstStyle/>
+          <a:p>
+            <a:r>
+              <a:rPr lang="en-SG" dirty="0"/>
+              <a:t>Cancer is a top public health issue:</a:t>
+            </a:r>
+          </a:p>
+          <a:p>
+            <a:pPr lvl="1"/>
+            <a:r>
+              <a:rPr lang="en-SG" dirty="0"/>
+              <a:t>It is becoming increasingly common in our rapidly aging population (approaching 1 in 2 lifetime risk)</a:t>
+            </a:r>
+          </a:p>
+          <a:p>
+            <a:pPr lvl="1"/>
+            <a:r>
+              <a:rPr lang="en-SG" dirty="0"/>
+              <a:t>It is a leading cause of </a:t>
+            </a:r>
+            <a:r>
+              <a:rPr lang="en-SG" dirty="0" err="1"/>
+              <a:t>mortaility</a:t>
+            </a:r>
+            <a:r>
+              <a:rPr lang="en-SG" dirty="0"/>
+              <a:t> (approx. 1 in 3 deaths)</a:t>
+            </a:r>
+          </a:p>
+          <a:p>
+            <a:r>
+              <a:rPr lang="en-SG" dirty="0"/>
+              <a:t>There is a growing bank of biomedical literature that has been expertly curated for various cancers that intersect across domains and disciplines</a:t>
+            </a:r>
+          </a:p>
+          <a:p>
+            <a:r>
+              <a:rPr lang="en-SG" dirty="0"/>
+              <a:t>Many </a:t>
+            </a:r>
+            <a:r>
+              <a:rPr lang="en-SG"/>
+              <a:t>cancers can </a:t>
+            </a:r>
+            <a:r>
+              <a:rPr lang="en-SG" dirty="0"/>
+              <a:t>be diagnosed at an early stage where it is curable</a:t>
+            </a:r>
+          </a:p>
+        </p:txBody>
+      </p:sp>
+    </p:spTree>
+    <p:extLst>
+      <p:ext uri="{BB962C8B-B14F-4D97-AF65-F5344CB8AC3E}">
+        <p14:creationId xmlns:p14="http://schemas.microsoft.com/office/powerpoint/2010/main" val="985079870"/>
+      </p:ext>
+    </p:extLst>
+  </p:cSld>
+  <p:clrMapOvr>
+    <a:masterClrMapping/>
+  </p:clrMapOvr>
+</p:sld>
+</file>
+
+<file path=ppt/slides/slide3.xml><?xml version="1.0" encoding="utf-8"?>
 <p:sld xmlns:a="http://schemas.openxmlformats.org/drawingml/2006/main" xmlns:r="http://schemas.openxmlformats.org/officeDocument/2006/relationships" xmlns:p="http://schemas.openxmlformats.org/presentationml/2006/main">
   <p:cSld>
     <p:spTree>
@@ -13560,7 +13686,7 @@
 </p:sld>
 </file>
 
-<file path=ppt/slides/slide3.xml><?xml version="1.0" encoding="utf-8"?>
+<file path=ppt/slides/slide4.xml><?xml version="1.0" encoding="utf-8"?>
 <p:sld xmlns:a="http://schemas.openxmlformats.org/drawingml/2006/main" xmlns:r="http://schemas.openxmlformats.org/officeDocument/2006/relationships" xmlns:p="http://schemas.openxmlformats.org/presentationml/2006/main">
   <p:cSld>
     <p:bg>
@@ -14027,7 +14153,7 @@
 </p:sld>
 </file>
 
-<file path=ppt/slides/slide4.xml><?xml version="1.0" encoding="utf-8"?>
+<file path=ppt/slides/slide5.xml><?xml version="1.0" encoding="utf-8"?>
 <p:sld xmlns:a="http://schemas.openxmlformats.org/drawingml/2006/main" xmlns:r="http://schemas.openxmlformats.org/officeDocument/2006/relationships" xmlns:p="http://schemas.openxmlformats.org/presentationml/2006/main">
   <p:cSld>
     <p:spTree>
@@ -14110,7 +14236,7 @@
 </p:sld>
 </file>
 
-<file path=ppt/slides/slide5.xml><?xml version="1.0" encoding="utf-8"?>
+<file path=ppt/slides/slide6.xml><?xml version="1.0" encoding="utf-8"?>
 <p:sld xmlns:a="http://schemas.openxmlformats.org/drawingml/2006/main" xmlns:r="http://schemas.openxmlformats.org/officeDocument/2006/relationships" xmlns:p="http://schemas.openxmlformats.org/presentationml/2006/main">
   <p:cSld>
     <p:bg>
@@ -14332,7 +14458,7 @@
 </p:sld>
 </file>
 
-<file path=ppt/slides/slide6.xml><?xml version="1.0" encoding="utf-8"?>
+<file path=ppt/slides/slide7.xml><?xml version="1.0" encoding="utf-8"?>
 <p:sld xmlns:a="http://schemas.openxmlformats.org/drawingml/2006/main" xmlns:r="http://schemas.openxmlformats.org/officeDocument/2006/relationships" xmlns:p="http://schemas.openxmlformats.org/presentationml/2006/main">
   <p:cSld>
     <p:bg>
@@ -15582,6 +15708,15 @@
 </file>
 
 <file path=customXml/item1.xml><?xml version="1.0" encoding="utf-8"?>
+<?mso-contentType ?>
+<FormTemplates xmlns="http://schemas.microsoft.com/sharepoint/v3/contenttype/forms">
+  <Display>DocumentLibraryForm</Display>
+  <Edit>DocumentLibraryForm</Edit>
+  <New>DocumentLibraryForm</New>
+</FormTemplates>
+</file>
+
+<file path=customXml/item2.xml><?xml version="1.0" encoding="utf-8"?>
 <ct:contentTypeSchema xmlns:ct="http://schemas.microsoft.com/office/2006/metadata/contentType" xmlns:ma="http://schemas.microsoft.com/office/2006/metadata/properties/metaAttributes" ct:_="" ma:_="" ma:contentTypeName="Document" ma:contentTypeID="0x01010079F111ED35F8CC479449609E8A0923A6" ma:contentTypeVersion="12" ma:contentTypeDescription="Create a new document." ma:contentTypeScope="" ma:versionID="93813dd7ca6ad654711aa0ab317e03a3">
   <xsd:schema xmlns:xsd="http://www.w3.org/2001/XMLSchema" xmlns:xs="http://www.w3.org/2001/XMLSchema" xmlns:p="http://schemas.microsoft.com/office/2006/metadata/properties" xmlns:ns2="71af3243-3dd4-4a8d-8c0d-dd76da1f02a5" xmlns:ns3="16c05727-aa75-4e4a-9b5f-8a80a1165891" targetNamespace="http://schemas.microsoft.com/office/2006/metadata/properties" ma:root="true" ma:fieldsID="f11dc0ce689dd3925e84e4e35398c6e7" ns2:_="" ns3:_="">
     <xsd:import namespace="71af3243-3dd4-4a8d-8c0d-dd76da1f02a5"/>
@@ -15802,15 +15937,6 @@
 </ct:contentTypeSchema>
 </file>
 
-<file path=customXml/item2.xml><?xml version="1.0" encoding="utf-8"?>
-<?mso-contentType ?>
-<FormTemplates xmlns="http://schemas.microsoft.com/sharepoint/v3/contenttype/forms">
-  <Display>DocumentLibraryForm</Display>
-  <Edit>DocumentLibraryForm</Edit>
-  <New>DocumentLibraryForm</New>
-</FormTemplates>
-</file>
-
 <file path=customXml/item3.xml><?xml version="1.0" encoding="utf-8"?>
 <p:properties xmlns:p="http://schemas.microsoft.com/office/2006/metadata/properties" xmlns:xsi="http://www.w3.org/2001/XMLSchema-instance" xmlns:pc="http://schemas.microsoft.com/office/infopath/2007/PartnerControls">
   <documentManagement>
@@ -15821,6 +15947,14 @@
 </file>
 
 <file path=customXml/itemProps1.xml><?xml version="1.0" encoding="utf-8"?>
+<ds:datastoreItem xmlns:ds="http://schemas.openxmlformats.org/officeDocument/2006/customXml" ds:itemID="{3E586370-B0FB-4108-8B4F-329716A22E3A}">
+  <ds:schemaRefs>
+    <ds:schemaRef ds:uri="http://schemas.microsoft.com/sharepoint/v3/contenttype/forms"/>
+  </ds:schemaRefs>
+</ds:datastoreItem>
+</file>
+
+<file path=customXml/itemProps2.xml><?xml version="1.0" encoding="utf-8"?>
 <ds:datastoreItem xmlns:ds="http://schemas.openxmlformats.org/officeDocument/2006/customXml" ds:itemID="{E503B719-B9A6-4DC9-AA9D-06F16B758BCB}">
   <ds:schemaRefs>
     <ds:schemaRef ds:uri="http://schemas.microsoft.com/office/2006/metadata/contentType"/>
@@ -15839,14 +15973,6 @@
 </ds:datastoreItem>
 </file>
 
-<file path=customXml/itemProps2.xml><?xml version="1.0" encoding="utf-8"?>
-<ds:datastoreItem xmlns:ds="http://schemas.openxmlformats.org/officeDocument/2006/customXml" ds:itemID="{3E586370-B0FB-4108-8B4F-329716A22E3A}">
-  <ds:schemaRefs>
-    <ds:schemaRef ds:uri="http://schemas.microsoft.com/sharepoint/v3/contenttype/forms"/>
-  </ds:schemaRefs>
-</ds:datastoreItem>
-</file>
-
 <file path=customXml/itemProps3.xml><?xml version="1.0" encoding="utf-8"?>
 <ds:datastoreItem xmlns:ds="http://schemas.openxmlformats.org/officeDocument/2006/customXml" ds:itemID="{55B48092-4A2C-4E16-B971-9ACADFFF69E4}">
   <ds:schemaRefs>

--- a/Capstone_Presentation.pptx
+++ b/Capstone_Presentation.pptx
@@ -220,7 +220,7 @@
           <a:p>
             <a:fld id="{AF869721-F543-4A6C-BF9D-65D7CC540427}" type="datetimeFigureOut">
               <a:rPr lang="en-US" smtClean="0"/>
-              <a:t>4/9/2020</a:t>
+              <a:t>4/11/2020</a:t>
             </a:fld>
             <a:endParaRPr lang="en-US" dirty="0"/>
           </a:p>
@@ -397,7 +397,7 @@
           <a:p>
             <a:fld id="{C732326A-4C88-4AFB-AA5B-5919D81DFF5B}" type="datetimeFigureOut">
               <a:rPr lang="en-US" smtClean="0"/>
-              <a:t>4/9/2020</a:t>
+              <a:t>4/11/2020</a:t>
             </a:fld>
             <a:endParaRPr lang="en-US" dirty="0"/>
           </a:p>
@@ -1077,7 +1077,7 @@
           <a:p>
             <a:fld id="{F31745FE-4CED-43F3-99E0-C1C5E2CD0E49}" type="datetime1">
               <a:rPr lang="en-US" smtClean="0"/>
-              <a:t>4/9/2020</a:t>
+              <a:t>4/11/2020</a:t>
             </a:fld>
             <a:endParaRPr lang="en-US" dirty="0"/>
           </a:p>
@@ -1340,7 +1340,7 @@
           <a:p>
             <a:fld id="{AD442332-0EEC-47EC-AE35-B3A306CE29FA}" type="datetime1">
               <a:rPr lang="en-US" smtClean="0"/>
-              <a:t>4/9/2020</a:t>
+              <a:t>4/11/2020</a:t>
             </a:fld>
             <a:endParaRPr lang="en-US" dirty="0"/>
           </a:p>
@@ -1576,7 +1576,7 @@
           <a:p>
             <a:fld id="{A0024685-B49A-4D09-945B-5E650EEA35FA}" type="datetime1">
               <a:rPr lang="en-US" smtClean="0"/>
-              <a:t>4/9/2020</a:t>
+              <a:t>4/11/2020</a:t>
             </a:fld>
             <a:endParaRPr lang="en-US" dirty="0"/>
           </a:p>
@@ -1756,7 +1756,7 @@
         <p:spPr>
           <a:xfrm>
             <a:off x="581192" y="2180496"/>
-            <a:ext cx="11029615" cy="3971022"/>
+            <a:ext cx="11029615" cy="4428222"/>
           </a:xfrm>
         </p:spPr>
         <p:txBody>
@@ -1796,58 +1796,6 @@
               <a:rPr lang="en-US"/>
               <a:t>Fifth level</a:t>
             </a:r>
-            <a:endParaRPr lang="en-US" dirty="0"/>
-          </a:p>
-        </p:txBody>
-      </p:sp>
-      <p:sp>
-        <p:nvSpPr>
-          <p:cNvPr id="4" name="Date Placeholder 3"/>
-          <p:cNvSpPr>
-            <a:spLocks noGrp="1"/>
-          </p:cNvSpPr>
-          <p:nvPr>
-            <p:ph type="dt" sz="half" idx="10"/>
-          </p:nvPr>
-        </p:nvSpPr>
-        <p:spPr>
-          <a:xfrm>
-            <a:off x="7605951" y="6243593"/>
-            <a:ext cx="2844799" cy="365125"/>
-          </a:xfrm>
-        </p:spPr>
-        <p:txBody>
-          <a:bodyPr/>
-          <a:lstStyle/>
-          <a:p>
-            <a:fld id="{E5A86480-7274-42B1-81D0-06A1E7289B52}" type="datetime1">
-              <a:rPr lang="en-US" smtClean="0"/>
-              <a:t>4/9/2020</a:t>
-            </a:fld>
-            <a:endParaRPr lang="en-US" dirty="0"/>
-          </a:p>
-        </p:txBody>
-      </p:sp>
-      <p:sp>
-        <p:nvSpPr>
-          <p:cNvPr id="5" name="Footer Placeholder 4"/>
-          <p:cNvSpPr>
-            <a:spLocks noGrp="1"/>
-          </p:cNvSpPr>
-          <p:nvPr>
-            <p:ph type="ftr" sz="quarter" idx="11"/>
-          </p:nvPr>
-        </p:nvSpPr>
-        <p:spPr>
-          <a:xfrm>
-            <a:off x="581192" y="6239267"/>
-            <a:ext cx="6917210" cy="365125"/>
-          </a:xfrm>
-        </p:spPr>
-        <p:txBody>
-          <a:bodyPr/>
-          <a:lstStyle/>
-          <a:p>
             <a:endParaRPr lang="en-US" dirty="0"/>
           </a:p>
         </p:txBody>
@@ -2134,7 +2082,7 @@
           <a:p>
             <a:fld id="{78A7FEE0-D1EE-4BBE-9F83-75AF99D063B7}" type="datetime1">
               <a:rPr lang="en-US" smtClean="0"/>
-              <a:t>4/9/2020</a:t>
+              <a:t>4/11/2020</a:t>
             </a:fld>
             <a:endParaRPr lang="en-US" dirty="0"/>
           </a:p>
@@ -2437,7 +2385,7 @@
           <a:p>
             <a:fld id="{AA8339B5-5575-4754-A95C-61BCAB4FE694}" type="datetime1">
               <a:rPr lang="en-US" smtClean="0"/>
-              <a:t>4/9/2020</a:t>
+              <a:t>4/11/2020</a:t>
             </a:fld>
             <a:endParaRPr lang="en-US" dirty="0"/>
           </a:p>
@@ -2860,7 +2808,7 @@
           <a:p>
             <a:fld id="{20838F0A-3607-429C-AD0C-BE5B9B27A50D}" type="datetime1">
               <a:rPr lang="en-US" smtClean="0"/>
-              <a:t>4/9/2020</a:t>
+              <a:t>4/11/2020</a:t>
             </a:fld>
             <a:endParaRPr lang="en-US" dirty="0"/>
           </a:p>
@@ -2956,7 +2904,7 @@
           <a:p>
             <a:fld id="{1801BFEA-A078-4716-849F-84014FF6B37A}" type="datetime1">
               <a:rPr lang="en-US" smtClean="0"/>
-              <a:t>4/9/2020</a:t>
+              <a:t>4/11/2020</a:t>
             </a:fld>
             <a:endParaRPr lang="en-US" dirty="0"/>
           </a:p>
@@ -3119,7 +3067,7 @@
           <a:p>
             <a:fld id="{179040CF-189E-4707-A0F9-859EB87EC0F6}" type="datetime1">
               <a:rPr lang="en-US" smtClean="0"/>
-              <a:t>4/9/2020</a:t>
+              <a:t>4/11/2020</a:t>
             </a:fld>
             <a:endParaRPr lang="en-US" dirty="0"/>
           </a:p>
@@ -3498,7 +3446,7 @@
           <a:p>
             <a:fld id="{D77CADA5-8237-4435-B872-B46D9438DC71}" type="datetime1">
               <a:rPr lang="en-US" smtClean="0"/>
-              <a:t>4/9/2020</a:t>
+              <a:t>4/11/2020</a:t>
             </a:fld>
             <a:endParaRPr lang="en-US" dirty="0"/>
           </a:p>
@@ -3788,7 +3736,7 @@
           <a:p>
             <a:fld id="{E6668319-C9DD-41CC-A645-0D5F8FFFFBD0}" type="datetime1">
               <a:rPr lang="en-US" smtClean="0"/>
-              <a:t>4/9/2020</a:t>
+              <a:t>4/11/2020</a:t>
             </a:fld>
             <a:endParaRPr lang="en-US" dirty="0"/>
           </a:p>
@@ -4000,7 +3948,7 @@
           <a:p>
             <a:fld id="{B5410247-A508-47AD-9FAE-04752A7C1F0F}" type="datetime1">
               <a:rPr lang="en-US" smtClean="0"/>
-              <a:t>4/9/2020</a:t>
+              <a:t>4/11/2020</a:t>
             </a:fld>
             <a:endParaRPr lang="en-US" dirty="0"/>
           </a:p>
@@ -5363,16 +5311,48 @@
             <p:ph idx="1"/>
           </p:nvPr>
         </p:nvSpPr>
-        <p:spPr/>
+        <p:spPr>
+          <a:xfrm>
+            <a:off x="581192" y="2180496"/>
+            <a:ext cx="11029615" cy="4428222"/>
+          </a:xfrm>
+        </p:spPr>
         <p:txBody>
           <a:bodyPr>
-            <a:normAutofit lnSpcReduction="10000"/>
+            <a:normAutofit/>
           </a:bodyPr>
           <a:lstStyle/>
           <a:p>
             <a:r>
               <a:rPr lang="en-SG" dirty="0"/>
+              <a:t>A multi-class scenario with imbalanced classes</a:t>
+            </a:r>
+          </a:p>
+          <a:p>
+            <a:pPr lvl="1"/>
+            <a:r>
+              <a:rPr lang="en-SG" dirty="0"/>
+              <a:t>Our problem statement is a multi-class scenario involving 9 classes</a:t>
+            </a:r>
+          </a:p>
+          <a:p>
+            <a:pPr lvl="1"/>
+            <a:r>
+              <a:rPr lang="en-SG" dirty="0"/>
+              <a:t>Just two of the most frequent classes account for ~50% of all the classes</a:t>
+            </a:r>
+          </a:p>
+          <a:p>
+            <a:r>
+              <a:rPr lang="en-SG" dirty="0"/>
               <a:t>Size of training and testing datasets</a:t>
+            </a:r>
+          </a:p>
+          <a:p>
+            <a:pPr lvl="1"/>
+            <a:r>
+              <a:rPr lang="en-SG" dirty="0"/>
+              <a:t>Only ~3,300 rows in the training dataset, but each row has a mean of ~63k words, and a maximum of ~526k words</a:t>
             </a:r>
           </a:p>
           <a:p>
@@ -5387,29 +5367,14 @@
             </a:r>
             <a:r>
               <a:rPr lang="en-SG" dirty="0"/>
-              <a:t>), I have &gt;76,000 features</a:t>
+              <a:t>), we have &gt;76k features</a:t>
             </a:r>
           </a:p>
           <a:p>
             <a:pPr lvl="1"/>
             <a:r>
               <a:rPr lang="en-SG" dirty="0"/>
-              <a:t>Downstream model fitting is extremely slow (e.g. </a:t>
-            </a:r>
-            <a:r>
-              <a:rPr lang="en-SG" dirty="0" err="1"/>
-              <a:t>ADABoost</a:t>
-            </a:r>
-            <a:r>
-              <a:rPr lang="en-SG" dirty="0"/>
-              <a:t> fitting alone takes ~8 hrs, fitting for all models takes &gt;17 hrs)</a:t>
-            </a:r>
-          </a:p>
-          <a:p>
-            <a:pPr lvl="1"/>
-            <a:r>
-              <a:rPr lang="en-SG" dirty="0"/>
-              <a:t>Not obvious how to perform feature engineering to reduce the number of features</a:t>
+              <a:t>As-is, downstream model fitting is extremely slow (fitting for all models takes &gt;17 hrs)</a:t>
             </a:r>
           </a:p>
           <a:p>
@@ -5422,7 +5387,7 @@
             <a:pPr lvl="1"/>
             <a:r>
               <a:rPr lang="en-SG" dirty="0"/>
-              <a:t>Static word embeddings that have been trained on cancer-related biomedical literature are not available</a:t>
+              <a:t>Understanding the context of words is key but it is not easy to find related word embeddings</a:t>
             </a:r>
           </a:p>
           <a:p>
@@ -5433,27 +5398,7 @@
             </a:r>
             <a:r>
               <a:rPr lang="en-SG" dirty="0"/>
-              <a:t> word embeddings look promising but they require significant processing power and memory to use, and are also limited to 1,024 words per document</a:t>
-            </a:r>
-          </a:p>
-          <a:p>
-            <a:r>
-              <a:rPr lang="en-SG" dirty="0"/>
-              <a:t>A multi-class scenario with imbalanced classes</a:t>
-            </a:r>
-          </a:p>
-          <a:p>
-            <a:pPr lvl="1"/>
-            <a:r>
-              <a:rPr lang="en-SG" dirty="0"/>
-              <a:t>Our problem statement is a multi-class scenario involving 9 classes</a:t>
-            </a:r>
-          </a:p>
-          <a:p>
-            <a:pPr lvl="1"/>
-            <a:r>
-              <a:rPr lang="en-SG" dirty="0"/>
-              <a:t>Just two of the most frequent classes account for ~50% of all the classes</a:t>
+              <a:t> word embeddings look promising but there are constraints to using them</a:t>
             </a:r>
           </a:p>
         </p:txBody>
@@ -5691,7 +5636,7 @@
           </p:nvSpPr>
           <p:spPr>
             <a:xfrm>
-              <a:off x="6023496" y="2398632"/>
+              <a:off x="6035707" y="2398632"/>
               <a:ext cx="1204128" cy="851297"/>
             </a:xfrm>
             <a:prstGeom prst="roundRect">
@@ -5762,7 +5707,7 @@
           <p:spPr>
             <a:xfrm>
               <a:off x="5790170" y="2824281"/>
-              <a:ext cx="233326" cy="0"/>
+              <a:ext cx="245537" cy="5686"/>
             </a:xfrm>
             <a:prstGeom prst="straightConnector1">
               <a:avLst/>
@@ -5800,8 +5745,8 @@
           </p:nvSpPr>
           <p:spPr>
             <a:xfrm>
-              <a:off x="7460945" y="2325441"/>
-              <a:ext cx="864976" cy="1020425"/>
+              <a:off x="7517319" y="2410005"/>
+              <a:ext cx="942074" cy="851297"/>
             </a:xfrm>
             <a:prstGeom prst="roundRect">
               <a:avLst/>
@@ -5824,7 +5769,7 @@
             </a:fontRef>
           </p:style>
           <p:txBody>
-            <a:bodyPr rtlCol="0" anchor="ctr">
+            <a:bodyPr wrap="square" rtlCol="0" anchor="ctr">
               <a:spAutoFit/>
             </a:bodyPr>
             <a:lstStyle/>
@@ -5839,7 +5784,7 @@
               <a:pPr algn="ctr"/>
               <a:r>
                 <a:rPr lang="en-SG" sz="1100" dirty="0"/>
-                <a:t>(SMOTE)</a:t>
+                <a:t>(ADASYN)</a:t>
               </a:r>
             </a:p>
             <a:p>
@@ -5865,8 +5810,8 @@
           </p:nvSpPr>
           <p:spPr>
             <a:xfrm>
-              <a:off x="8559243" y="2126765"/>
-              <a:ext cx="1541184" cy="1413153"/>
+              <a:off x="8748743" y="2047113"/>
+              <a:ext cx="1351683" cy="1572458"/>
             </a:xfrm>
             <a:prstGeom prst="roundRect">
               <a:avLst/>
@@ -5889,7 +5834,7 @@
             </a:fontRef>
           </p:style>
           <p:txBody>
-            <a:bodyPr rtlCol="0" anchor="ctr">
+            <a:bodyPr wrap="square" rtlCol="0" anchor="ctr">
               <a:spAutoFit/>
             </a:bodyPr>
             <a:lstStyle/>
@@ -5905,6 +5850,14 @@
               <a:r>
                 <a:rPr lang="en-SG" sz="1100" dirty="0"/>
                 <a:t>(</a:t>
+              </a:r>
+              <a:r>
+                <a:rPr lang="en-SG" sz="1100" dirty="0" err="1"/>
+                <a:t>nn</a:t>
+              </a:r>
+              <a:r>
+                <a:rPr lang="en-SG" sz="1100" dirty="0"/>
+                <a:t>, </a:t>
               </a:r>
               <a:r>
                 <a:rPr lang="en-SG" sz="1100" dirty="0" err="1"/>
@@ -5975,8 +5928,8 @@
           </p:nvCxnSpPr>
           <p:spPr>
             <a:xfrm>
-              <a:off x="7227624" y="2824281"/>
-              <a:ext cx="233321" cy="11373"/>
+              <a:off x="7239835" y="2824281"/>
+              <a:ext cx="277484" cy="5687"/>
             </a:xfrm>
             <a:prstGeom prst="straightConnector1">
               <a:avLst/>
@@ -6017,9 +5970,9 @@
             <p:nvPr/>
           </p:nvCxnSpPr>
           <p:spPr>
-            <a:xfrm flipV="1">
-              <a:off x="8325921" y="2833342"/>
-              <a:ext cx="233322" cy="2312"/>
+            <a:xfrm>
+              <a:off x="8459393" y="2829968"/>
+              <a:ext cx="289350" cy="3374"/>
             </a:xfrm>
             <a:prstGeom prst="straightConnector1">
               <a:avLst/>
@@ -6089,7 +6042,7 @@
               <a:pPr algn="ctr"/>
               <a:r>
                 <a:rPr lang="en-SG" sz="1100" dirty="0"/>
-                <a:t>Visualisation and calculation of metrics (ROC and AUC)</a:t>
+                <a:t>Visualisation and calculation of metrics (e.g. ROC, AUC)</a:t>
               </a:r>
             </a:p>
           </p:txBody>
@@ -6112,8 +6065,8 @@
           </p:nvCxnSpPr>
           <p:spPr>
             <a:xfrm flipV="1">
-              <a:off x="10100427" y="2829853"/>
-              <a:ext cx="232975" cy="3489"/>
+              <a:off x="10100426" y="2829853"/>
+              <a:ext cx="232976" cy="3489"/>
             </a:xfrm>
             <a:prstGeom prst="straightConnector1">
               <a:avLst/>
@@ -6657,9 +6610,9 @@
         <p:grpSpPr>
           <a:xfrm>
             <a:off x="1192092" y="3255501"/>
-            <a:ext cx="10603536" cy="3425327"/>
+            <a:ext cx="10603536" cy="3438025"/>
             <a:chOff x="1192092" y="3255501"/>
-            <a:chExt cx="10603536" cy="3425327"/>
+            <a:chExt cx="10603536" cy="3438025"/>
           </a:xfrm>
         </p:grpSpPr>
         <p:cxnSp>
@@ -6719,8 +6672,8 @@
           </p:nvSpPr>
           <p:spPr>
             <a:xfrm>
-              <a:off x="1754618" y="4712242"/>
-              <a:ext cx="10041010" cy="1968586"/>
+              <a:off x="1754618" y="4712241"/>
+              <a:ext cx="10041010" cy="1981285"/>
             </a:xfrm>
             <a:prstGeom prst="roundRect">
               <a:avLst/>
@@ -6949,7 +6902,7 @@
           </p:nvSpPr>
           <p:spPr>
             <a:xfrm>
-              <a:off x="6023495" y="5308246"/>
+              <a:off x="6051682" y="5308246"/>
               <a:ext cx="1204128" cy="1038582"/>
             </a:xfrm>
             <a:prstGeom prst="roundRect">
@@ -7063,7 +7016,7 @@
           <p:spPr>
             <a:xfrm>
               <a:off x="5790174" y="5827537"/>
-              <a:ext cx="233321" cy="0"/>
+              <a:ext cx="261508" cy="0"/>
             </a:xfrm>
             <a:prstGeom prst="straightConnector1">
               <a:avLst/>
@@ -7101,8 +7054,8 @@
           </p:nvSpPr>
           <p:spPr>
             <a:xfrm>
-              <a:off x="7460944" y="5317323"/>
-              <a:ext cx="864977" cy="1020425"/>
+              <a:off x="7517318" y="5401887"/>
+              <a:ext cx="942075" cy="851297"/>
             </a:xfrm>
             <a:prstGeom prst="roundRect">
               <a:avLst/>
@@ -7125,7 +7078,7 @@
             </a:fontRef>
           </p:style>
           <p:txBody>
-            <a:bodyPr rtlCol="0" anchor="ctr">
+            <a:bodyPr wrap="square" rtlCol="0" anchor="ctr">
               <a:spAutoFit/>
             </a:bodyPr>
             <a:lstStyle/>
@@ -7140,7 +7093,7 @@
               <a:pPr algn="ctr"/>
               <a:r>
                 <a:rPr lang="en-SG" sz="1100" dirty="0"/>
-                <a:t>(SMOTE) and scaling</a:t>
+                <a:t>(ADASYN) and scaling</a:t>
               </a:r>
             </a:p>
           </p:txBody>
@@ -7163,8 +7116,8 @@
           </p:nvCxnSpPr>
           <p:spPr>
             <a:xfrm flipV="1">
-              <a:off x="7227623" y="5827536"/>
-              <a:ext cx="233321" cy="1"/>
+              <a:off x="7255810" y="5827536"/>
+              <a:ext cx="261508" cy="1"/>
             </a:xfrm>
             <a:prstGeom prst="straightConnector1">
               <a:avLst/>
@@ -7202,8 +7155,8 @@
           </p:nvSpPr>
           <p:spPr>
             <a:xfrm>
-              <a:off x="8559242" y="5120961"/>
-              <a:ext cx="1541184" cy="1413153"/>
+              <a:off x="8748742" y="5041308"/>
+              <a:ext cx="1351683" cy="1572458"/>
             </a:xfrm>
             <a:prstGeom prst="roundRect">
               <a:avLst/>
@@ -7226,7 +7179,7 @@
             </a:fontRef>
           </p:style>
           <p:txBody>
-            <a:bodyPr rtlCol="0" anchor="ctr">
+            <a:bodyPr wrap="square" rtlCol="0" anchor="ctr">
               <a:spAutoFit/>
             </a:bodyPr>
             <a:lstStyle/>
@@ -7241,7 +7194,15 @@
               <a:pPr algn="ctr"/>
               <a:r>
                 <a:rPr lang="en-SG" sz="1100" dirty="0"/>
-                <a:t>(FNN, </a:t>
+                <a:t>(</a:t>
+              </a:r>
+              <a:r>
+                <a:rPr lang="en-SG" sz="1100" dirty="0" err="1"/>
+                <a:t>nn</a:t>
+              </a:r>
+              <a:r>
+                <a:rPr lang="en-SG" sz="1100" dirty="0"/>
+                <a:t>, </a:t>
               </a:r>
               <a:r>
                 <a:rPr lang="en-SG" sz="1100" dirty="0" err="1"/>
@@ -7312,8 +7273,8 @@
           </p:nvCxnSpPr>
           <p:spPr>
             <a:xfrm>
-              <a:off x="8325921" y="5827536"/>
-              <a:ext cx="233321" cy="2"/>
+              <a:off x="8459393" y="5827536"/>
+              <a:ext cx="289349" cy="1"/>
             </a:xfrm>
             <a:prstGeom prst="straightConnector1">
               <a:avLst/>
@@ -7383,7 +7344,7 @@
               <a:pPr algn="ctr"/>
               <a:r>
                 <a:rPr lang="en-SG" sz="1100" dirty="0"/>
-                <a:t>Visualisation and calculation of metrics (ROC and AUC)</a:t>
+                <a:t>Visualisation and calculation of metrics (e.g. ROC, AUC)</a:t>
               </a:r>
             </a:p>
           </p:txBody>
@@ -7406,8 +7367,8 @@
           </p:nvCxnSpPr>
           <p:spPr>
             <a:xfrm flipV="1">
-              <a:off x="10100426" y="5827535"/>
-              <a:ext cx="232976" cy="3"/>
+              <a:off x="10100425" y="5827535"/>
+              <a:ext cx="232977" cy="2"/>
             </a:xfrm>
             <a:prstGeom prst="straightConnector1">
               <a:avLst/>
@@ -7854,7 +7815,7 @@
           <a:p>
             <a:r>
               <a:rPr lang="en-SG" dirty="0"/>
-              <a:t>Report Card</a:t>
+              <a:t>Report Card (as of 11-Apr)</a:t>
             </a:r>
           </a:p>
         </p:txBody>
@@ -7875,14 +7836,14 @@
             <p:ph idx="1"/>
             <p:extLst>
               <p:ext uri="{D42A27DB-BD31-4B8C-83A1-F6EECF244321}">
-                <p14:modId xmlns:p14="http://schemas.microsoft.com/office/powerpoint/2010/main" val="2921727724"/>
+                <p14:modId xmlns:p14="http://schemas.microsoft.com/office/powerpoint/2010/main" val="3072025453"/>
               </p:ext>
             </p:extLst>
           </p:nvPr>
         </p:nvGraphicFramePr>
         <p:xfrm>
           <a:off x="581024" y="2049145"/>
-          <a:ext cx="11029615" cy="4119880"/>
+          <a:ext cx="11029616" cy="3931920"/>
         </p:xfrm>
         <a:graphic>
           <a:graphicData uri="http://schemas.openxmlformats.org/drawingml/2006/table">
@@ -7891,43 +7852,36 @@
                 <a:tableStyleId>{5C22544A-7EE6-4342-B048-85BDC9FD1C3A}</a:tableStyleId>
               </a:tblPr>
               <a:tblGrid>
-                <a:gridCol w="292986">
+                <a:gridCol w="485306">
                   <a:extLst>
                     <a:ext uri="{9D8B030D-6E8A-4147-A177-3AD203B41FA5}">
                       <a16:colId xmlns:a16="http://schemas.microsoft.com/office/drawing/2014/main" val="2002711194"/>
                     </a:ext>
                   </a:extLst>
                 </a:gridCol>
-                <a:gridCol w="2635858">
+                <a:gridCol w="3779320">
                   <a:extLst>
                     <a:ext uri="{9D8B030D-6E8A-4147-A177-3AD203B41FA5}">
                       <a16:colId xmlns:a16="http://schemas.microsoft.com/office/drawing/2014/main" val="828516001"/>
                     </a:ext>
                   </a:extLst>
                 </a:gridCol>
-                <a:gridCol w="1127466">
+                <a:gridCol w="1148755">
                   <a:extLst>
                     <a:ext uri="{9D8B030D-6E8A-4147-A177-3AD203B41FA5}">
                       <a16:colId xmlns:a16="http://schemas.microsoft.com/office/drawing/2014/main" val="479085933"/>
                     </a:ext>
                   </a:extLst>
                 </a:gridCol>
-                <a:gridCol w="3165546">
+                <a:gridCol w="5616235">
                   <a:extLst>
                     <a:ext uri="{9D8B030D-6E8A-4147-A177-3AD203B41FA5}">
                       <a16:colId xmlns:a16="http://schemas.microsoft.com/office/drawing/2014/main" val="849727674"/>
                     </a:ext>
                   </a:extLst>
                 </a:gridCol>
-                <a:gridCol w="3807759">
-                  <a:extLst>
-                    <a:ext uri="{9D8B030D-6E8A-4147-A177-3AD203B41FA5}">
-                      <a16:colId xmlns:a16="http://schemas.microsoft.com/office/drawing/2014/main" val="785080295"/>
-                    </a:ext>
-                  </a:extLst>
-                </a:gridCol>
               </a:tblGrid>
-              <a:tr h="370840">
+              <a:tr h="202134">
                 <a:tc>
                   <a:txBody>
                     <a:bodyPr/>
@@ -7972,20 +7926,7 @@
                     <a:p>
                       <a:r>
                         <a:rPr lang="en-SG" sz="1400" dirty="0"/>
-                        <a:t>Description</a:t>
-                      </a:r>
-                    </a:p>
-                  </a:txBody>
-                  <a:tcPr/>
-                </a:tc>
-                <a:tc>
-                  <a:txBody>
-                    <a:bodyPr/>
-                    <a:lstStyle/>
-                    <a:p>
-                      <a:r>
-                        <a:rPr lang="en-SG" sz="1400" dirty="0"/>
-                        <a:t>Next Steps</a:t>
+                        <a:t>Notes*</a:t>
                       </a:r>
                     </a:p>
                   </a:txBody>
@@ -7997,7 +7938,7 @@
                   </a:ext>
                 </a:extLst>
               </a:tr>
-              <a:tr h="370840">
+              <a:tr h="515027">
                 <a:tc>
                   <a:txBody>
                     <a:bodyPr/>
@@ -8054,40 +7995,43 @@
                     <a:bodyPr/>
                     <a:lstStyle/>
                     <a:p>
-                      <a:pPr marL="285750" lvl="0" indent="-285750">
+                      <a:pPr marL="0" lvl="0" indent="0">
+                        <a:buFont typeface="Arial" panose="020B0604020202020204" pitchFamily="34" charset="0"/>
+                        <a:buNone/>
+                      </a:pPr>
+                      <a:r>
+                        <a:rPr lang="en-SG" sz="1400" dirty="0"/>
+                        <a:t>Achieved the following:</a:t>
+                      </a:r>
+                    </a:p>
+                    <a:p>
+                      <a:pPr marL="179388" lvl="0" indent="-179388">
                         <a:buFont typeface="Arial" panose="020B0604020202020204" pitchFamily="34" charset="0"/>
                         <a:buChar char="•"/>
                       </a:pPr>
                       <a:r>
                         <a:rPr lang="en-SG" sz="1400" dirty="0"/>
-                        <a:t>Balanced accuracy score: 0.558*</a:t>
+                        <a:t>Balanced accuracy score: 0.533</a:t>
                       </a:r>
                     </a:p>
                     <a:p>
-                      <a:pPr marL="285750" lvl="0" indent="-285750">
+                      <a:pPr marL="179388" lvl="0" indent="-179388">
                         <a:buFont typeface="Arial" panose="020B0604020202020204" pitchFamily="34" charset="0"/>
                         <a:buChar char="•"/>
                       </a:pPr>
                       <a:r>
                         <a:rPr lang="en-SG" sz="1400" dirty="0"/>
-                        <a:t>Balanced F1 score: 0.656 </a:t>
+                        <a:t>Balanced F1 score: 0.599</a:t>
                       </a:r>
                     </a:p>
-                  </a:txBody>
-                  <a:tcPr/>
-                </a:tc>
-                <a:tc>
-                  <a:txBody>
-                    <a:bodyPr/>
-                    <a:lstStyle/>
                     <a:p>
-                      <a:pPr marL="0" indent="0">
+                      <a:pPr marL="179388" lvl="0" indent="-179388">
                         <a:buFont typeface="Arial" panose="020B0604020202020204" pitchFamily="34" charset="0"/>
-                        <a:buNone/>
+                        <a:buChar char="•"/>
                       </a:pPr>
                       <a:r>
                         <a:rPr lang="en-SG" sz="1400" dirty="0"/>
-                        <a:t>Work on documentation</a:t>
+                        <a:t>Micro-average AUC: 0.879 </a:t>
                       </a:r>
                     </a:p>
                   </a:txBody>
@@ -8099,7 +8043,7 @@
                   </a:ext>
                 </a:extLst>
               </a:tr>
-              <a:tr h="370840">
+              <a:tr h="515027">
                 <a:tc>
                   <a:txBody>
                     <a:bodyPr/>
@@ -8145,30 +8089,8 @@
                           <a:ea typeface="+mn-ea"/>
                           <a:cs typeface="+mn-cs"/>
                         </a:rPr>
-                        <a:t>In-progress</a:t>
+                        <a:t>Completed</a:t>
                       </a:r>
-                    </a:p>
-                  </a:txBody>
-                  <a:tcPr/>
-                </a:tc>
-                <a:tc>
-                  <a:txBody>
-                    <a:bodyPr/>
-                    <a:lstStyle/>
-                    <a:p>
-                      <a:pPr marL="0" lvl="0" indent="0">
-                        <a:buFont typeface="Arial" panose="020B0604020202020204" pitchFamily="34" charset="0"/>
-                        <a:buNone/>
-                      </a:pPr>
-                      <a:r>
-                        <a:rPr lang="en-SG" sz="1400" dirty="0"/>
-                        <a:t>Evaluated alternative word embeddings – Word2Vec and </a:t>
-                      </a:r>
-                      <a:r>
-                        <a:rPr lang="en-SG" sz="1400" dirty="0" err="1"/>
-                        <a:t>GloVe</a:t>
-                      </a:r>
-                      <a:endParaRPr lang="en-SG" sz="1400" dirty="0"/>
                     </a:p>
                   </a:txBody>
                   <a:tcPr/>
@@ -8197,7 +8119,37 @@
                       </a:pPr>
                       <a:r>
                         <a:rPr lang="en-SG" sz="1400" dirty="0"/>
-                        <a:t>Currently tweaking Word2Vec settings for better accuracy scores</a:t>
+                        <a:t>Achieved the following:</a:t>
+                      </a:r>
+                    </a:p>
+                    <a:p>
+                      <a:pPr marL="179388" lvl="0" indent="-179388">
+                        <a:buFont typeface="Arial" panose="020B0604020202020204" pitchFamily="34" charset="0"/>
+                        <a:buChar char="•"/>
+                      </a:pPr>
+                      <a:r>
+                        <a:rPr lang="en-SG" sz="1400" dirty="0"/>
+                        <a:t>Balanced accuracy score: 0.407</a:t>
+                      </a:r>
+                    </a:p>
+                    <a:p>
+                      <a:pPr marL="179388" lvl="0" indent="-179388">
+                        <a:buFont typeface="Arial" panose="020B0604020202020204" pitchFamily="34" charset="0"/>
+                        <a:buChar char="•"/>
+                      </a:pPr>
+                      <a:r>
+                        <a:rPr lang="en-SG" sz="1400" dirty="0"/>
+                        <a:t>Balanced F1 score: 0.450</a:t>
+                      </a:r>
+                    </a:p>
+                    <a:p>
+                      <a:pPr marL="179388" lvl="0" indent="-179388">
+                        <a:buFont typeface="Arial" panose="020B0604020202020204" pitchFamily="34" charset="0"/>
+                        <a:buChar char="•"/>
+                      </a:pPr>
+                      <a:r>
+                        <a:rPr lang="en-SG" sz="1400" dirty="0"/>
+                        <a:t>Micro-average AUC: 0.689</a:t>
                       </a:r>
                     </a:p>
                   </a:txBody>
@@ -8209,7 +8161,7 @@
                   </a:ext>
                 </a:extLst>
               </a:tr>
-              <a:tr h="370840">
+              <a:tr h="202134">
                 <a:tc>
                   <a:txBody>
                     <a:bodyPr/>
@@ -8231,7 +8183,7 @@
                     <a:p>
                       <a:r>
                         <a:rPr lang="en-SG" sz="1400" dirty="0"/>
-                        <a:t>Apply appropriate strategy to deal with imbalanced classes</a:t>
+                        <a:t>Deal with imbalanced classes</a:t>
                       </a:r>
                     </a:p>
                   </a:txBody>
@@ -8255,7 +8207,7 @@
                           <a:ea typeface="+mn-ea"/>
                           <a:cs typeface="+mn-cs"/>
                         </a:rPr>
-                        <a:t>In-progress</a:t>
+                        <a:t>Completed</a:t>
                       </a:r>
                     </a:p>
                   </a:txBody>
@@ -8272,7 +8224,65 @@
                       </a:pPr>
                       <a:r>
                         <a:rPr lang="en-SG" sz="1400" dirty="0"/>
-                        <a:t>Used partial SMOTE oversampling thus far</a:t>
+                        <a:t>Used partial ADASYN oversampling</a:t>
+                      </a:r>
+                    </a:p>
+                  </a:txBody>
+                  <a:tcPr/>
+                </a:tc>
+                <a:extLst>
+                  <a:ext uri="{0D108BD9-81ED-4DB2-BD59-A6C34878D82A}">
+                    <a16:rowId xmlns:a16="http://schemas.microsoft.com/office/drawing/2014/main" val="3304393850"/>
+                  </a:ext>
+                </a:extLst>
+              </a:tr>
+              <a:tr h="202134">
+                <a:tc>
+                  <a:txBody>
+                    <a:bodyPr/>
+                    <a:lstStyle/>
+                    <a:p>
+                      <a:pPr algn="ctr"/>
+                      <a:r>
+                        <a:rPr lang="en-SG" sz="1400" dirty="0"/>
+                        <a:t>4</a:t>
+                      </a:r>
+                    </a:p>
+                  </a:txBody>
+                  <a:tcPr/>
+                </a:tc>
+                <a:tc>
+                  <a:txBody>
+                    <a:bodyPr/>
+                    <a:lstStyle/>
+                    <a:p>
+                      <a:r>
+                        <a:rPr lang="en-SG" sz="1400" dirty="0"/>
+                        <a:t>Deal with too many features</a:t>
+                      </a:r>
+                    </a:p>
+                  </a:txBody>
+                  <a:tcPr/>
+                </a:tc>
+                <a:tc>
+                  <a:txBody>
+                    <a:bodyPr/>
+                    <a:lstStyle/>
+                    <a:p>
+                      <a:pPr marL="0" indent="0" algn="l" defTabSz="457200" rtl="0" eaLnBrk="1" latinLnBrk="0" hangingPunct="1">
+                        <a:buFont typeface="Arial" panose="020B0604020202020204" pitchFamily="34" charset="0"/>
+                        <a:buNone/>
+                      </a:pPr>
+                      <a:r>
+                        <a:rPr lang="en-SG" sz="1400" kern="1200" dirty="0">
+                          <a:solidFill>
+                            <a:schemeClr val="dk1"/>
+                          </a:solidFill>
+                          <a:latin typeface="+mn-lt"/>
+                          <a:ea typeface="+mn-ea"/>
+                          <a:cs typeface="+mn-cs"/>
+                        </a:rPr>
+                        <a:t>Completed</a:t>
                       </a:r>
                     </a:p>
                   </a:txBody>
@@ -8289,7 +8299,7 @@
                       </a:pPr>
                       <a:r>
                         <a:rPr lang="en-SG" sz="1400" dirty="0"/>
-                        <a:t>Seek advice from Instructor/TAs</a:t>
+                        <a:t>Used PCA (no. of features has dropped from ~76k to ~5k!)</a:t>
                       </a:r>
                     </a:p>
                   </a:txBody>
@@ -8297,11 +8307,11 @@
                 </a:tc>
                 <a:extLst>
                   <a:ext uri="{0D108BD9-81ED-4DB2-BD59-A6C34878D82A}">
-                    <a16:rowId xmlns:a16="http://schemas.microsoft.com/office/drawing/2014/main" val="3304393850"/>
+                    <a16:rowId xmlns:a16="http://schemas.microsoft.com/office/drawing/2014/main" val="2336071395"/>
                   </a:ext>
                 </a:extLst>
               </a:tr>
-              <a:tr h="370840">
+              <a:tr h="202134">
                 <a:tc>
                   <a:txBody>
                     <a:bodyPr/>
@@ -8310,7 +8320,7 @@
                       <a:pPr algn="ctr"/>
                       <a:r>
                         <a:rPr lang="en-SG" sz="1400" dirty="0"/>
-                        <a:t>4</a:t>
+                        <a:t>5</a:t>
                       </a:r>
                     </a:p>
                   </a:txBody>
@@ -8378,30 +8388,13 @@
                   </a:txBody>
                   <a:tcPr/>
                 </a:tc>
-                <a:tc>
-                  <a:txBody>
-                    <a:bodyPr/>
-                    <a:lstStyle/>
-                    <a:p>
-                      <a:pPr marL="0" indent="0">
-                        <a:buFont typeface="Arial" panose="020B0604020202020204" pitchFamily="34" charset="0"/>
-                        <a:buNone/>
-                      </a:pPr>
-                      <a:r>
-                        <a:rPr lang="en-SG" sz="1400" dirty="0"/>
-                        <a:t>Evaluate alternative word embeddings (time permitting)</a:t>
-                      </a:r>
-                    </a:p>
-                  </a:txBody>
-                  <a:tcPr/>
-                </a:tc>
                 <a:extLst>
                   <a:ext uri="{0D108BD9-81ED-4DB2-BD59-A6C34878D82A}">
                     <a16:rowId xmlns:a16="http://schemas.microsoft.com/office/drawing/2014/main" val="3240866446"/>
                   </a:ext>
                 </a:extLst>
               </a:tr>
-              <a:tr h="370840">
+              <a:tr h="282434">
                 <a:tc>
                   <a:txBody>
                     <a:bodyPr/>
@@ -8410,7 +8403,7 @@
                       <a:pPr algn="ctr"/>
                       <a:r>
                         <a:rPr lang="en-SG" sz="1400" dirty="0"/>
-                        <a:t>5</a:t>
+                        <a:t>6</a:t>
                       </a:r>
                     </a:p>
                   </a:txBody>
@@ -8455,7 +8448,7 @@
                           <a:ea typeface="+mn-ea"/>
                           <a:cs typeface="+mn-cs"/>
                         </a:rPr>
-                        <a:t>In-progress</a:t>
+                        <a:t>Abandoned</a:t>
                       </a:r>
                     </a:p>
                   </a:txBody>
@@ -8472,7 +8465,7 @@
                       </a:pPr>
                       <a:r>
                         <a:rPr lang="en-SG" sz="1400" dirty="0"/>
-                        <a:t>Facing significant difficulty in creating the </a:t>
+                        <a:t>Faced significant difficulty in creating the </a:t>
                       </a:r>
                       <a:r>
                         <a:rPr lang="en-SG" sz="1400" dirty="0" err="1"/>
@@ -8486,40 +8479,13 @@
                   </a:txBody>
                   <a:tcPr/>
                 </a:tc>
-                <a:tc>
-                  <a:txBody>
-                    <a:bodyPr/>
-                    <a:lstStyle/>
-                    <a:p>
-                      <a:pPr marL="285750" indent="-285750">
-                        <a:buFont typeface="Arial" panose="020B0604020202020204" pitchFamily="34" charset="0"/>
-                        <a:buChar char="•"/>
-                      </a:pPr>
-                      <a:r>
-                        <a:rPr lang="en-SG" sz="1400" dirty="0"/>
-                        <a:t>Write embeddings to disk rather than keep them in memory (still very slow: just 10% takes &gt;14 hrs!)</a:t>
-                      </a:r>
-                    </a:p>
-                    <a:p>
-                      <a:pPr marL="285750" indent="-285750">
-                        <a:buFont typeface="Arial" panose="020B0604020202020204" pitchFamily="34" charset="0"/>
-                        <a:buChar char="•"/>
-                      </a:pPr>
-                      <a:r>
-                        <a:rPr lang="en-SG" sz="1400" dirty="0"/>
-                        <a:t>Evaluate alternative word embeddings (time permitting)</a:t>
-                      </a:r>
-                    </a:p>
-                  </a:txBody>
-                  <a:tcPr/>
-                </a:tc>
                 <a:extLst>
                   <a:ext uri="{0D108BD9-81ED-4DB2-BD59-A6C34878D82A}">
                     <a16:rowId xmlns:a16="http://schemas.microsoft.com/office/drawing/2014/main" val="3638772673"/>
                   </a:ext>
                 </a:extLst>
               </a:tr>
-              <a:tr h="370840">
+              <a:tr h="202134">
                 <a:tc>
                   <a:txBody>
                     <a:bodyPr/>
@@ -8528,7 +8494,7 @@
                       <a:pPr algn="ctr"/>
                       <a:r>
                         <a:rPr lang="en-SG" sz="1400" dirty="0"/>
-                        <a:t>6</a:t>
+                        <a:t>7</a:t>
                       </a:r>
                     </a:p>
                   </a:txBody>
@@ -8541,7 +8507,7 @@
                     <a:p>
                       <a:r>
                         <a:rPr lang="en-SG" sz="1400" dirty="0"/>
-                        <a:t>Evaluate LSTM neural network as another possible classifier</a:t>
+                        <a:t>Enhanced neural network with LSTM</a:t>
                       </a:r>
                     </a:p>
                   </a:txBody>
@@ -8575,34 +8541,7 @@
                     <a:p>
                       <a:r>
                         <a:rPr lang="en-SG" sz="1400" dirty="0"/>
-                        <a:t>Facing difficulty finding good examples of how to use LSTM</a:t>
-                      </a:r>
-                    </a:p>
-                  </a:txBody>
-                  <a:tcPr/>
-                </a:tc>
-                <a:tc>
-                  <a:txBody>
-                    <a:bodyPr/>
-                    <a:lstStyle/>
-                    <a:p>
-                      <a:pPr marL="285750" indent="-285750">
-                        <a:buFont typeface="Arial" panose="020B0604020202020204" pitchFamily="34" charset="0"/>
-                        <a:buChar char="•"/>
-                      </a:pPr>
-                      <a:r>
-                        <a:rPr lang="en-SG" sz="1400" dirty="0"/>
-                        <a:t>Continue Google search for good examples</a:t>
-                      </a:r>
-                    </a:p>
-                    <a:p>
-                      <a:pPr marL="285750" indent="-285750">
-                        <a:buFont typeface="Arial" panose="020B0604020202020204" pitchFamily="34" charset="0"/>
-                        <a:buChar char="•"/>
-                      </a:pPr>
-                      <a:r>
-                        <a:rPr lang="en-SG" sz="1400" dirty="0"/>
-                        <a:t>Seek advice from Instructor/TAs</a:t>
+                        <a:t>Attempt to introduce LSTM units into neural network</a:t>
                       </a:r>
                     </a:p>
                   </a:txBody>
@@ -8662,7 +8601,7 @@
         </p:nvSpPr>
         <p:spPr>
           <a:xfrm>
-            <a:off x="581192" y="6321373"/>
+            <a:off x="581192" y="6251640"/>
             <a:ext cx="11029615" cy="430887"/>
           </a:xfrm>
           <a:prstGeom prst="rect">
@@ -8700,7 +8639,7 @@
           <a:p>
             <a:r>
               <a:rPr lang="en-SG" sz="1050" dirty="0"/>
-              <a:t>Note: * - all scores are based on validation dataset</a:t>
+              <a:t>Note: * - all scores shown are based on validation dataset</a:t>
             </a:r>
           </a:p>
         </p:txBody>
@@ -8743,66 +8682,6 @@
           <a:chExt cx="0" cy="0"/>
         </a:xfrm>
       </p:grpSpPr>
-      <p:sp useBgFill="1">
-        <p:nvSpPr>
-          <p:cNvPr id="10" name="Rectangle 9">
-            <a:extLst>
-              <a:ext uri="{FF2B5EF4-FFF2-40B4-BE49-F238E27FC236}">
-                <a16:creationId xmlns:a16="http://schemas.microsoft.com/office/drawing/2014/main" id="{379F11E2-8BA5-4C5C-AE7C-361E5EA011FF}"/>
-              </a:ext>
-              <a:ext uri="{C183D7F6-B498-43B3-948B-1728B52AA6E4}">
-                <adec:decorative xmlns:adec="http://schemas.microsoft.com/office/drawing/2017/decorative" val="1"/>
-              </a:ext>
-            </a:extLst>
-          </p:cNvPr>
-          <p:cNvSpPr>
-            <a:spLocks noGrp="1" noRot="1" noChangeAspect="1" noMove="1" noResize="1" noEditPoints="1" noAdjustHandles="1" noChangeArrowheads="1" noChangeShapeType="1" noTextEdit="1"/>
-          </p:cNvSpPr>
-          <p:nvPr>
-            <p:extLst>
-              <p:ext uri="{386F3935-93C4-4BCD-93E2-E3B085C9AB24}">
-                <p16:designElem xmlns:p16="http://schemas.microsoft.com/office/powerpoint/2015/main" val="1"/>
-              </p:ext>
-            </p:extLst>
-          </p:nvPr>
-        </p:nvSpPr>
-        <p:spPr>
-          <a:xfrm>
-            <a:off x="0" y="1"/>
-            <a:ext cx="12191999" cy="6858000"/>
-          </a:xfrm>
-          <a:prstGeom prst="rect">
-            <a:avLst/>
-          </a:prstGeom>
-          <a:ln>
-            <a:noFill/>
-          </a:ln>
-        </p:spPr>
-        <p:style>
-          <a:lnRef idx="2">
-            <a:schemeClr val="accent1">
-              <a:shade val="50000"/>
-            </a:schemeClr>
-          </a:lnRef>
-          <a:fillRef idx="1">
-            <a:schemeClr val="accent1"/>
-          </a:fillRef>
-          <a:effectRef idx="0">
-            <a:schemeClr val="accent1"/>
-          </a:effectRef>
-          <a:fontRef idx="minor">
-            <a:schemeClr val="lt1"/>
-          </a:fontRef>
-        </p:style>
-        <p:txBody>
-          <a:bodyPr rtlCol="0" anchor="ctr"/>
-          <a:lstStyle/>
-          <a:p>
-            <a:pPr algn="ctr"/>
-            <a:endParaRPr lang="en-US" dirty="0"/>
-          </a:p>
-        </p:txBody>
-      </p:sp>
       <p:pic>
         <p:nvPicPr>
           <p:cNvPr id="5" name="Picture 4" descr="Digital Numbers">
@@ -8825,25 +8704,54 @@
               </a:ext>
             </a:extLst>
           </a:blip>
-          <a:srcRect l="2189" r="9642" b="1"/>
+          <a:srcRect l="28659" r="26205" b="1"/>
           <a:stretch/>
         </p:blipFill>
         <p:spPr>
           <a:xfrm>
-            <a:off x="446534" y="723899"/>
-            <a:ext cx="7498616" cy="5676901"/>
+            <a:off x="1" y="10"/>
+            <a:ext cx="4637078" cy="6857530"/>
           </a:xfrm>
           <a:prstGeom prst="rect">
             <a:avLst/>
           </a:prstGeom>
         </p:spPr>
       </p:pic>
-      <p:sp>
-        <p:nvSpPr>
-          <p:cNvPr id="12" name="Rectangle 11">
+      <p:pic>
+        <p:nvPicPr>
+          <p:cNvPr id="6" name="Picture 5" descr="A close up of a flower&#10;&#10;Description automatically generated">
             <a:extLst>
               <a:ext uri="{FF2B5EF4-FFF2-40B4-BE49-F238E27FC236}">
-                <a16:creationId xmlns:a16="http://schemas.microsoft.com/office/drawing/2014/main" id="{7C00E1DA-EC7C-40FC-95E3-11FDCD2E4291}"/>
+                <a16:creationId xmlns:a16="http://schemas.microsoft.com/office/drawing/2014/main" id="{17107215-3F9E-4560-876A-6671C9661409}"/>
+              </a:ext>
+            </a:extLst>
+          </p:cNvPr>
+          <p:cNvPicPr>
+            <a:picLocks noChangeAspect="1"/>
+          </p:cNvPicPr>
+          <p:nvPr/>
+        </p:nvPicPr>
+        <p:blipFill rotWithShape="1">
+          <a:blip r:embed="rId4"/>
+          <a:srcRect t="7100" b="12304"/>
+          <a:stretch/>
+        </p:blipFill>
+        <p:spPr>
+          <a:xfrm>
+            <a:off x="4628829" y="10"/>
+            <a:ext cx="7563171" cy="4266944"/>
+          </a:xfrm>
+          <a:prstGeom prst="rect">
+            <a:avLst/>
+          </a:prstGeom>
+        </p:spPr>
+      </p:pic>
+      <p:sp>
+        <p:nvSpPr>
+          <p:cNvPr id="22" name="Rectangle 21">
+            <a:extLst>
+              <a:ext uri="{FF2B5EF4-FFF2-40B4-BE49-F238E27FC236}">
+                <a16:creationId xmlns:a16="http://schemas.microsoft.com/office/drawing/2014/main" id="{0CC01A80-8E9F-4F66-B2B8-00B2426D6549}"/>
               </a:ext>
               <a:ext uri="{C183D7F6-B498-43B3-948B-1728B52AA6E4}">
                 <adec:decorative xmlns:adec="http://schemas.microsoft.com/office/drawing/2017/decorative" val="1"/>
@@ -8863,14 +8771,169 @@
         </p:nvSpPr>
         <p:spPr>
           <a:xfrm>
-            <a:off x="8042147" y="723899"/>
-            <a:ext cx="3703320" cy="5666666"/>
+            <a:off x="4639498" y="4267831"/>
+            <a:ext cx="7552502" cy="2590169"/>
           </a:xfrm>
           <a:prstGeom prst="rect">
             <a:avLst/>
           </a:prstGeom>
           <a:solidFill>
             <a:schemeClr val="accent1"/>
+          </a:solidFill>
+          <a:ln w="6350" cmpd="sng">
+            <a:noFill/>
+          </a:ln>
+          <a:effectLst/>
+        </p:spPr>
+        <p:style>
+          <a:lnRef idx="1">
+            <a:schemeClr val="accent1"/>
+          </a:lnRef>
+          <a:fillRef idx="3">
+            <a:schemeClr val="accent1"/>
+          </a:fillRef>
+          <a:effectRef idx="2">
+            <a:schemeClr val="accent1"/>
+          </a:effectRef>
+          <a:fontRef idx="minor">
+            <a:schemeClr val="lt1"/>
+          </a:fontRef>
+        </p:style>
+      </p:sp>
+      <p:sp>
+        <p:nvSpPr>
+          <p:cNvPr id="2" name="Title 1">
+            <a:extLst>
+              <a:ext uri="{FF2B5EF4-FFF2-40B4-BE49-F238E27FC236}">
+                <a16:creationId xmlns:a16="http://schemas.microsoft.com/office/drawing/2014/main" id="{0F87E73C-2B1A-4602-BFBE-CFE1E55D9B38}"/>
+              </a:ext>
+            </a:extLst>
+          </p:cNvPr>
+          <p:cNvSpPr>
+            <a:spLocks noGrp="1"/>
+          </p:cNvSpPr>
+          <p:nvPr>
+            <p:ph type="ctrTitle"/>
+          </p:nvPr>
+        </p:nvSpPr>
+        <p:spPr>
+          <a:xfrm>
+            <a:off x="5089842" y="4571122"/>
+            <a:ext cx="6591957" cy="1037907"/>
+          </a:xfrm>
+        </p:spPr>
+        <p:txBody>
+          <a:bodyPr>
+            <a:normAutofit/>
+          </a:bodyPr>
+          <a:lstStyle/>
+          <a:p>
+            <a:r>
+              <a:rPr lang="en-US">
+                <a:solidFill>
+                  <a:schemeClr val="bg1"/>
+                </a:solidFill>
+              </a:rPr>
+              <a:t>Thank You</a:t>
+            </a:r>
+          </a:p>
+        </p:txBody>
+      </p:sp>
+      <p:sp>
+        <p:nvSpPr>
+          <p:cNvPr id="3" name="Subtitle 2">
+            <a:extLst>
+              <a:ext uri="{FF2B5EF4-FFF2-40B4-BE49-F238E27FC236}">
+                <a16:creationId xmlns:a16="http://schemas.microsoft.com/office/drawing/2014/main" id="{A9CB511D-EA45-4336-847C-1252667143B5}"/>
+              </a:ext>
+            </a:extLst>
+          </p:cNvPr>
+          <p:cNvSpPr>
+            <a:spLocks noGrp="1"/>
+          </p:cNvSpPr>
+          <p:nvPr>
+            <p:ph type="subTitle" idx="1"/>
+          </p:nvPr>
+        </p:nvSpPr>
+        <p:spPr>
+          <a:xfrm>
+            <a:off x="5089842" y="5603909"/>
+            <a:ext cx="6591957" cy="525793"/>
+          </a:xfrm>
+        </p:spPr>
+        <p:txBody>
+          <a:bodyPr>
+            <a:normAutofit/>
+          </a:bodyPr>
+          <a:lstStyle/>
+          <a:p>
+            <a:r>
+              <a:rPr lang="en-US">
+                <a:solidFill>
+                  <a:schemeClr val="accent1">
+                    <a:lumMod val="50000"/>
+                    <a:lumOff val="50000"/>
+                  </a:schemeClr>
+                </a:solidFill>
+              </a:rPr>
+              <a:t>yuchye@gmail.com</a:t>
+            </a:r>
+          </a:p>
+          <a:p>
+            <a:endParaRPr lang="en-US">
+              <a:solidFill>
+                <a:schemeClr val="accent1">
+                  <a:lumMod val="50000"/>
+                  <a:lumOff val="50000"/>
+                </a:schemeClr>
+              </a:solidFill>
+            </a:endParaRPr>
+          </a:p>
+          <a:p>
+            <a:endParaRPr lang="en-US">
+              <a:solidFill>
+                <a:schemeClr val="accent1">
+                  <a:lumMod val="50000"/>
+                  <a:lumOff val="50000"/>
+                </a:schemeClr>
+              </a:solidFill>
+            </a:endParaRPr>
+          </a:p>
+        </p:txBody>
+      </p:sp>
+      <p:sp>
+        <p:nvSpPr>
+          <p:cNvPr id="24" name="Rectangle 23">
+            <a:extLst>
+              <a:ext uri="{FF2B5EF4-FFF2-40B4-BE49-F238E27FC236}">
+                <a16:creationId xmlns:a16="http://schemas.microsoft.com/office/drawing/2014/main" id="{E9200FA5-812A-42A6-94FA-F8F3EBE69A69}"/>
+              </a:ext>
+              <a:ext uri="{C183D7F6-B498-43B3-948B-1728B52AA6E4}">
+                <adec:decorative xmlns:adec="http://schemas.microsoft.com/office/drawing/2017/decorative" val="1"/>
+              </a:ext>
+            </a:extLst>
+          </p:cNvPr>
+          <p:cNvSpPr>
+            <a:spLocks noGrp="1" noRot="1" noChangeAspect="1" noMove="1" noResize="1" noEditPoints="1" noAdjustHandles="1" noChangeArrowheads="1" noChangeShapeType="1" noTextEdit="1"/>
+          </p:cNvSpPr>
+          <p:nvPr>
+            <p:extLst>
+              <p:ext uri="{386F3935-93C4-4BCD-93E2-E3B085C9AB24}">
+                <p16:designElem xmlns:p16="http://schemas.microsoft.com/office/powerpoint/2015/main" val="1"/>
+              </p:ext>
+            </p:extLst>
+          </p:nvPr>
+        </p:nvSpPr>
+        <p:spPr>
+          <a:xfrm>
+            <a:off x="4639498" y="4220158"/>
+            <a:ext cx="7554921" cy="91440"/>
+          </a:xfrm>
+          <a:prstGeom prst="rect">
+            <a:avLst/>
+          </a:prstGeom>
+          <a:solidFill>
+            <a:schemeClr val="bg1"/>
           </a:solidFill>
           <a:ln>
             <a:noFill/>
@@ -8894,111 +8957,19 @@
       </p:sp>
       <p:sp>
         <p:nvSpPr>
-          <p:cNvPr id="2" name="Title 1">
+          <p:cNvPr id="26" name="Rectangle 25">
             <a:extLst>
               <a:ext uri="{FF2B5EF4-FFF2-40B4-BE49-F238E27FC236}">
-                <a16:creationId xmlns:a16="http://schemas.microsoft.com/office/drawing/2014/main" id="{0F87E73C-2B1A-4602-BFBE-CFE1E55D9B38}"/>
-              </a:ext>
-            </a:extLst>
-          </p:cNvPr>
-          <p:cNvSpPr>
-            <a:spLocks noGrp="1"/>
-          </p:cNvSpPr>
-          <p:nvPr>
-            <p:ph type="ctrTitle"/>
-          </p:nvPr>
-        </p:nvSpPr>
-        <p:spPr>
-          <a:xfrm>
-            <a:off x="8296275" y="1419226"/>
-            <a:ext cx="3081576" cy="1746762"/>
-          </a:xfrm>
-        </p:spPr>
-        <p:txBody>
-          <a:bodyPr>
-            <a:normAutofit/>
-          </a:bodyPr>
-          <a:lstStyle/>
-          <a:p>
-            <a:r>
-              <a:rPr lang="en-US" dirty="0">
-                <a:solidFill>
-                  <a:srgbClr val="FFFFFF"/>
-                </a:solidFill>
-              </a:rPr>
-              <a:t>Thank You</a:t>
-            </a:r>
-          </a:p>
-        </p:txBody>
-      </p:sp>
-      <p:sp>
-        <p:nvSpPr>
-          <p:cNvPr id="3" name="Subtitle 2">
-            <a:extLst>
-              <a:ext uri="{FF2B5EF4-FFF2-40B4-BE49-F238E27FC236}">
-                <a16:creationId xmlns:a16="http://schemas.microsoft.com/office/drawing/2014/main" id="{A9CB511D-EA45-4336-847C-1252667143B5}"/>
-              </a:ext>
-            </a:extLst>
-          </p:cNvPr>
-          <p:cNvSpPr>
-            <a:spLocks noGrp="1"/>
-          </p:cNvSpPr>
-          <p:nvPr>
-            <p:ph type="subTitle" idx="1"/>
-          </p:nvPr>
-        </p:nvSpPr>
-        <p:spPr>
-          <a:xfrm>
-            <a:off x="8296275" y="3505095"/>
-            <a:ext cx="3081576" cy="2629006"/>
-          </a:xfrm>
-        </p:spPr>
-        <p:txBody>
-          <a:bodyPr>
-            <a:normAutofit/>
-          </a:bodyPr>
-          <a:lstStyle/>
-          <a:p>
-            <a:r>
-              <a:rPr lang="en-US" dirty="0">
-                <a:solidFill>
-                  <a:schemeClr val="bg2"/>
-                </a:solidFill>
-              </a:rPr>
-              <a:t>yuchye@gmail.com</a:t>
-            </a:r>
-          </a:p>
-          <a:p>
-            <a:endParaRPr lang="en-US" dirty="0">
-              <a:solidFill>
-                <a:schemeClr val="bg2"/>
-              </a:solidFill>
-            </a:endParaRPr>
-          </a:p>
-          <a:p>
-            <a:endParaRPr lang="en-US" dirty="0">
-              <a:solidFill>
-                <a:schemeClr val="bg2"/>
-              </a:solidFill>
-            </a:endParaRPr>
-          </a:p>
-        </p:txBody>
-      </p:sp>
-      <p:grpSp>
-        <p:nvGrpSpPr>
-          <p:cNvPr id="14" name="Group 13">
-            <a:extLst>
-              <a:ext uri="{FF2B5EF4-FFF2-40B4-BE49-F238E27FC236}">
-                <a16:creationId xmlns:a16="http://schemas.microsoft.com/office/drawing/2014/main" id="{9A421166-2996-41A7-B094-AE5316F347DD}"/>
+                <a16:creationId xmlns:a16="http://schemas.microsoft.com/office/drawing/2014/main" id="{BAE6DB54-4B59-49B8-980F-6224E1078181}"/>
               </a:ext>
               <a:ext uri="{C183D7F6-B498-43B3-948B-1728B52AA6E4}">
                 <adec:decorative xmlns:adec="http://schemas.microsoft.com/office/drawing/2017/decorative" val="1"/>
               </a:ext>
             </a:extLst>
           </p:cNvPr>
-          <p:cNvGrpSpPr>
-            <a:grpSpLocks noGrp="1" noUngrp="1" noRot="1" noChangeAspect="1" noMove="1" noResize="1"/>
-          </p:cNvGrpSpPr>
+          <p:cNvSpPr>
+            <a:spLocks noGrp="1" noRot="1" noChangeAspect="1" noMove="1" noResize="1" noEditPoints="1" noAdjustHandles="1" noChangeArrowheads="1" noChangeShapeType="1" noTextEdit="1"/>
+          </p:cNvSpPr>
           <p:nvPr>
             <p:extLst>
               <p:ext uri="{386F3935-93C4-4BCD-93E2-E3B085C9AB24}">
@@ -9006,172 +8977,46 @@
               </p:ext>
             </p:extLst>
           </p:nvPr>
-        </p:nvGrpSpPr>
-        <p:grpSpPr>
+        </p:nvSpPr>
+        <p:spPr>
           <a:xfrm>
-            <a:off x="446534" y="453643"/>
-            <a:ext cx="11298933" cy="98554"/>
-            <a:chOff x="446534" y="453643"/>
-            <a:chExt cx="11298933" cy="98554"/>
+            <a:off x="4591359" y="-460"/>
+            <a:ext cx="91440" cy="6858000"/>
           </a:xfrm>
-        </p:grpSpPr>
-        <p:sp>
-          <p:nvSpPr>
-            <p:cNvPr id="15" name="Rectangle 14">
-              <a:extLst>
-                <a:ext uri="{FF2B5EF4-FFF2-40B4-BE49-F238E27FC236}">
-                  <a16:creationId xmlns:a16="http://schemas.microsoft.com/office/drawing/2014/main" id="{FDBB1B92-A3EB-43E4-8FAB-D20E8ED14CEF}"/>
-                </a:ext>
-                <a:ext uri="{C183D7F6-B498-43B3-948B-1728B52AA6E4}">
-                  <adec:decorative xmlns:adec="http://schemas.microsoft.com/office/drawing/2017/decorative" val="1"/>
-                </a:ext>
-              </a:extLst>
-            </p:cNvPr>
-            <p:cNvSpPr/>
-            <p:nvPr>
-              <p:extLst>
-                <p:ext uri="{386F3935-93C4-4BCD-93E2-E3B085C9AB24}">
-                  <p16:designElem xmlns:p16="http://schemas.microsoft.com/office/powerpoint/2015/main" val="1"/>
-                </p:ext>
-              </p:extLst>
-            </p:nvPr>
-          </p:nvSpPr>
-          <p:spPr>
-            <a:xfrm>
-              <a:off x="446534" y="457200"/>
-              <a:ext cx="3703320" cy="94997"/>
-            </a:xfrm>
-            <a:prstGeom prst="rect">
-              <a:avLst/>
-            </a:prstGeom>
-            <a:solidFill>
-              <a:schemeClr val="accent1"/>
-            </a:solidFill>
-            <a:ln>
-              <a:noFill/>
-            </a:ln>
-            <a:effectLst/>
-          </p:spPr>
-          <p:style>
-            <a:lnRef idx="1">
-              <a:schemeClr val="accent1"/>
-            </a:lnRef>
-            <a:fillRef idx="3">
-              <a:schemeClr val="accent1"/>
-            </a:fillRef>
-            <a:effectRef idx="2">
-              <a:schemeClr val="accent1"/>
-            </a:effectRef>
-            <a:fontRef idx="minor">
-              <a:schemeClr val="lt1"/>
-            </a:fontRef>
-          </p:style>
-        </p:sp>
-        <p:sp>
-          <p:nvSpPr>
-            <p:cNvPr id="16" name="Rectangle 15">
-              <a:extLst>
-                <a:ext uri="{FF2B5EF4-FFF2-40B4-BE49-F238E27FC236}">
-                  <a16:creationId xmlns:a16="http://schemas.microsoft.com/office/drawing/2014/main" id="{3F3972F4-FE7E-48EA-AAD8-9BE5750A6672}"/>
-                </a:ext>
-                <a:ext uri="{C183D7F6-B498-43B3-948B-1728B52AA6E4}">
-                  <adec:decorative xmlns:adec="http://schemas.microsoft.com/office/drawing/2017/decorative" val="1"/>
-                </a:ext>
-              </a:extLst>
-            </p:cNvPr>
-            <p:cNvSpPr/>
-            <p:nvPr>
-              <p:extLst>
-                <p:ext uri="{386F3935-93C4-4BCD-93E2-E3B085C9AB24}">
-                  <p16:designElem xmlns:p16="http://schemas.microsoft.com/office/powerpoint/2015/main" val="1"/>
-                </p:ext>
-              </p:extLst>
-            </p:nvPr>
-          </p:nvSpPr>
-          <p:spPr>
-            <a:xfrm>
-              <a:off x="8042147" y="453643"/>
-              <a:ext cx="3703320" cy="98554"/>
-            </a:xfrm>
-            <a:prstGeom prst="rect">
-              <a:avLst/>
-            </a:prstGeom>
-            <a:solidFill>
-              <a:schemeClr val="accent4"/>
-            </a:solidFill>
-            <a:ln>
-              <a:noFill/>
-            </a:ln>
-            <a:effectLst/>
-          </p:spPr>
-          <p:style>
-            <a:lnRef idx="1">
-              <a:schemeClr val="accent1"/>
-            </a:lnRef>
-            <a:fillRef idx="3">
-              <a:schemeClr val="accent1"/>
-            </a:fillRef>
-            <a:effectRef idx="2">
-              <a:schemeClr val="accent1"/>
-            </a:effectRef>
-            <a:fontRef idx="minor">
-              <a:schemeClr val="lt1"/>
-            </a:fontRef>
-          </p:style>
-        </p:sp>
-        <p:sp>
-          <p:nvSpPr>
-            <p:cNvPr id="17" name="Rectangle 16">
-              <a:extLst>
-                <a:ext uri="{FF2B5EF4-FFF2-40B4-BE49-F238E27FC236}">
-                  <a16:creationId xmlns:a16="http://schemas.microsoft.com/office/drawing/2014/main" id="{221614E5-870B-4D5E-A43B-8FF7E5323484}"/>
-                </a:ext>
-                <a:ext uri="{C183D7F6-B498-43B3-948B-1728B52AA6E4}">
-                  <adec:decorative xmlns:adec="http://schemas.microsoft.com/office/drawing/2017/decorative" val="1"/>
-                </a:ext>
-              </a:extLst>
-            </p:cNvPr>
-            <p:cNvSpPr/>
-            <p:nvPr>
-              <p:extLst>
-                <p:ext uri="{386F3935-93C4-4BCD-93E2-E3B085C9AB24}">
-                  <p16:designElem xmlns:p16="http://schemas.microsoft.com/office/powerpoint/2015/main" val="1"/>
-                </p:ext>
-              </p:extLst>
-            </p:nvPr>
-          </p:nvSpPr>
-          <p:spPr>
-            <a:xfrm>
-              <a:off x="4241830" y="457200"/>
-              <a:ext cx="3703320" cy="91440"/>
-            </a:xfrm>
-            <a:prstGeom prst="rect">
-              <a:avLst/>
-            </a:prstGeom>
-            <a:solidFill>
-              <a:schemeClr val="accent2"/>
-            </a:solidFill>
-            <a:ln>
-              <a:noFill/>
-            </a:ln>
-            <a:effectLst/>
-          </p:spPr>
-          <p:style>
-            <a:lnRef idx="1">
-              <a:schemeClr val="accent1"/>
-            </a:lnRef>
-            <a:fillRef idx="3">
-              <a:schemeClr val="accent1"/>
-            </a:fillRef>
-            <a:effectRef idx="2">
-              <a:schemeClr val="accent1"/>
-            </a:effectRef>
-            <a:fontRef idx="minor">
-              <a:schemeClr val="lt1"/>
-            </a:fontRef>
-          </p:style>
-        </p:sp>
-      </p:grpSp>
+          <a:prstGeom prst="rect">
+            <a:avLst/>
+          </a:prstGeom>
+          <a:solidFill>
+            <a:schemeClr val="bg1"/>
+          </a:solidFill>
+          <a:ln>
+            <a:noFill/>
+          </a:ln>
+          <a:effectLst/>
+        </p:spPr>
+        <p:style>
+          <a:lnRef idx="1">
+            <a:schemeClr val="accent1"/>
+          </a:lnRef>
+          <a:fillRef idx="3">
+            <a:schemeClr val="accent1"/>
+          </a:fillRef>
+          <a:effectRef idx="2">
+            <a:schemeClr val="accent1"/>
+          </a:effectRef>
+          <a:fontRef idx="minor">
+            <a:schemeClr val="lt1"/>
+          </a:fontRef>
+        </p:style>
+        <p:txBody>
+          <a:bodyPr rtlCol="0" anchor="ctr"/>
+          <a:lstStyle/>
+          <a:p>
+            <a:pPr algn="ctr"/>
+            <a:endParaRPr lang="en-US"/>
+          </a:p>
+        </p:txBody>
+      </p:sp>
     </p:spTree>
     <p:extLst>
       <p:ext uri="{BB962C8B-B14F-4D97-AF65-F5344CB8AC3E}">
@@ -10045,12 +9890,12 @@
 </file>
 
 <file path=customXml/item1.xml><?xml version="1.0" encoding="utf-8"?>
-<?mso-contentType ?>
-<FormTemplates xmlns="http://schemas.microsoft.com/sharepoint/v3/contenttype/forms">
-  <Display>DocumentLibraryForm</Display>
-  <Edit>DocumentLibraryForm</Edit>
-  <New>DocumentLibraryForm</New>
-</FormTemplates>
+<p:properties xmlns:p="http://schemas.microsoft.com/office/2006/metadata/properties" xmlns:xsi="http://www.w3.org/2001/XMLSchema-instance" xmlns:pc="http://schemas.microsoft.com/office/infopath/2007/PartnerControls">
+  <documentManagement>
+    <Status xmlns="71af3243-3dd4-4a8d-8c0d-dd76da1f02a5">Not started</Status>
+    <MediaServiceKeyPoints xmlns="71af3243-3dd4-4a8d-8c0d-dd76da1f02a5" xsi:nil="true"/>
+  </documentManagement>
+</p:properties>
 </file>
 
 <file path=customXml/item2.xml><?xml version="1.0" encoding="utf-8"?>
@@ -10275,18 +10120,20 @@
 </file>
 
 <file path=customXml/item3.xml><?xml version="1.0" encoding="utf-8"?>
-<p:properties xmlns:p="http://schemas.microsoft.com/office/2006/metadata/properties" xmlns:xsi="http://www.w3.org/2001/XMLSchema-instance" xmlns:pc="http://schemas.microsoft.com/office/infopath/2007/PartnerControls">
-  <documentManagement>
-    <Status xmlns="71af3243-3dd4-4a8d-8c0d-dd76da1f02a5">Not started</Status>
-    <MediaServiceKeyPoints xmlns="71af3243-3dd4-4a8d-8c0d-dd76da1f02a5" xsi:nil="true"/>
-  </documentManagement>
-</p:properties>
+<?mso-contentType ?>
+<FormTemplates xmlns="http://schemas.microsoft.com/sharepoint/v3/contenttype/forms">
+  <Display>DocumentLibraryForm</Display>
+  <Edit>DocumentLibraryForm</Edit>
+  <New>DocumentLibraryForm</New>
+</FormTemplates>
 </file>
 
 <file path=customXml/itemProps1.xml><?xml version="1.0" encoding="utf-8"?>
-<ds:datastoreItem xmlns:ds="http://schemas.openxmlformats.org/officeDocument/2006/customXml" ds:itemID="{3E586370-B0FB-4108-8B4F-329716A22E3A}">
+<ds:datastoreItem xmlns:ds="http://schemas.openxmlformats.org/officeDocument/2006/customXml" ds:itemID="{55B48092-4A2C-4E16-B971-9ACADFFF69E4}">
   <ds:schemaRefs>
-    <ds:schemaRef ds:uri="http://schemas.microsoft.com/sharepoint/v3/contenttype/forms"/>
+    <ds:schemaRef ds:uri="http://schemas.microsoft.com/office/2006/metadata/properties"/>
+    <ds:schemaRef ds:uri="http://schemas.microsoft.com/office/infopath/2007/PartnerControls"/>
+    <ds:schemaRef ds:uri="71af3243-3dd4-4a8d-8c0d-dd76da1f02a5"/>
   </ds:schemaRefs>
 </ds:datastoreItem>
 </file>
@@ -10311,11 +10158,9 @@
 </file>
 
 <file path=customXml/itemProps3.xml><?xml version="1.0" encoding="utf-8"?>
-<ds:datastoreItem xmlns:ds="http://schemas.openxmlformats.org/officeDocument/2006/customXml" ds:itemID="{55B48092-4A2C-4E16-B971-9ACADFFF69E4}">
+<ds:datastoreItem xmlns:ds="http://schemas.openxmlformats.org/officeDocument/2006/customXml" ds:itemID="{3E586370-B0FB-4108-8B4F-329716A22E3A}">
   <ds:schemaRefs>
-    <ds:schemaRef ds:uri="http://schemas.microsoft.com/office/2006/metadata/properties"/>
-    <ds:schemaRef ds:uri="http://schemas.microsoft.com/office/infopath/2007/PartnerControls"/>
-    <ds:schemaRef ds:uri="71af3243-3dd4-4a8d-8c0d-dd76da1f02a5"/>
+    <ds:schemaRef ds:uri="http://schemas.microsoft.com/sharepoint/v3/contenttype/forms"/>
   </ds:schemaRefs>
 </ds:datastoreItem>
 </file>
--- a/Capstone_Presentation.pptx
+++ b/Capstone_Presentation.pptx
@@ -220,7 +220,7 @@
           <a:p>
             <a:fld id="{AF869721-F543-4A6C-BF9D-65D7CC540427}" type="datetimeFigureOut">
               <a:rPr lang="en-US" smtClean="0"/>
-              <a:t>4/11/2020</a:t>
+              <a:t>4/13/2020</a:t>
             </a:fld>
             <a:endParaRPr lang="en-US" dirty="0"/>
           </a:p>
@@ -397,7 +397,7 @@
           <a:p>
             <a:fld id="{C732326A-4C88-4AFB-AA5B-5919D81DFF5B}" type="datetimeFigureOut">
               <a:rPr lang="en-US" smtClean="0"/>
-              <a:t>4/11/2020</a:t>
+              <a:t>4/13/2020</a:t>
             </a:fld>
             <a:endParaRPr lang="en-US" dirty="0"/>
           </a:p>
@@ -1077,7 +1077,7 @@
           <a:p>
             <a:fld id="{F31745FE-4CED-43F3-99E0-C1C5E2CD0E49}" type="datetime1">
               <a:rPr lang="en-US" smtClean="0"/>
-              <a:t>4/11/2020</a:t>
+              <a:t>4/13/2020</a:t>
             </a:fld>
             <a:endParaRPr lang="en-US" dirty="0"/>
           </a:p>
@@ -1340,7 +1340,7 @@
           <a:p>
             <a:fld id="{AD442332-0EEC-47EC-AE35-B3A306CE29FA}" type="datetime1">
               <a:rPr lang="en-US" smtClean="0"/>
-              <a:t>4/11/2020</a:t>
+              <a:t>4/13/2020</a:t>
             </a:fld>
             <a:endParaRPr lang="en-US" dirty="0"/>
           </a:p>
@@ -1576,7 +1576,7 @@
           <a:p>
             <a:fld id="{A0024685-B49A-4D09-945B-5E650EEA35FA}" type="datetime1">
               <a:rPr lang="en-US" smtClean="0"/>
-              <a:t>4/11/2020</a:t>
+              <a:t>4/13/2020</a:t>
             </a:fld>
             <a:endParaRPr lang="en-US" dirty="0"/>
           </a:p>
@@ -2082,7 +2082,7 @@
           <a:p>
             <a:fld id="{78A7FEE0-D1EE-4BBE-9F83-75AF99D063B7}" type="datetime1">
               <a:rPr lang="en-US" smtClean="0"/>
-              <a:t>4/11/2020</a:t>
+              <a:t>4/13/2020</a:t>
             </a:fld>
             <a:endParaRPr lang="en-US" dirty="0"/>
           </a:p>
@@ -2385,7 +2385,7 @@
           <a:p>
             <a:fld id="{AA8339B5-5575-4754-A95C-61BCAB4FE694}" type="datetime1">
               <a:rPr lang="en-US" smtClean="0"/>
-              <a:t>4/11/2020</a:t>
+              <a:t>4/13/2020</a:t>
             </a:fld>
             <a:endParaRPr lang="en-US" dirty="0"/>
           </a:p>
@@ -2808,7 +2808,7 @@
           <a:p>
             <a:fld id="{20838F0A-3607-429C-AD0C-BE5B9B27A50D}" type="datetime1">
               <a:rPr lang="en-US" smtClean="0"/>
-              <a:t>4/11/2020</a:t>
+              <a:t>4/13/2020</a:t>
             </a:fld>
             <a:endParaRPr lang="en-US" dirty="0"/>
           </a:p>
@@ -2904,7 +2904,7 @@
           <a:p>
             <a:fld id="{1801BFEA-A078-4716-849F-84014FF6B37A}" type="datetime1">
               <a:rPr lang="en-US" smtClean="0"/>
-              <a:t>4/11/2020</a:t>
+              <a:t>4/13/2020</a:t>
             </a:fld>
             <a:endParaRPr lang="en-US" dirty="0"/>
           </a:p>
@@ -3067,7 +3067,7 @@
           <a:p>
             <a:fld id="{179040CF-189E-4707-A0F9-859EB87EC0F6}" type="datetime1">
               <a:rPr lang="en-US" smtClean="0"/>
-              <a:t>4/11/2020</a:t>
+              <a:t>4/13/2020</a:t>
             </a:fld>
             <a:endParaRPr lang="en-US" dirty="0"/>
           </a:p>
@@ -3446,7 +3446,7 @@
           <a:p>
             <a:fld id="{D77CADA5-8237-4435-B872-B46D9438DC71}" type="datetime1">
               <a:rPr lang="en-US" smtClean="0"/>
-              <a:t>4/11/2020</a:t>
+              <a:t>4/13/2020</a:t>
             </a:fld>
             <a:endParaRPr lang="en-US" dirty="0"/>
           </a:p>
@@ -3736,7 +3736,7 @@
           <a:p>
             <a:fld id="{E6668319-C9DD-41CC-A645-0D5F8FFFFBD0}" type="datetime1">
               <a:rPr lang="en-US" smtClean="0"/>
-              <a:t>4/11/2020</a:t>
+              <a:t>4/13/2020</a:t>
             </a:fld>
             <a:endParaRPr lang="en-US" dirty="0"/>
           </a:p>
@@ -3948,7 +3948,7 @@
           <a:p>
             <a:fld id="{B5410247-A508-47AD-9FAE-04752A7C1F0F}" type="datetime1">
               <a:rPr lang="en-US" smtClean="0"/>
-              <a:t>4/11/2020</a:t>
+              <a:t>4/13/2020</a:t>
             </a:fld>
             <a:endParaRPr lang="en-US" dirty="0"/>
           </a:p>
@@ -5087,16 +5087,13 @@
           <a:p>
             <a:r>
               <a:rPr lang="en-SG" dirty="0"/>
-              <a:t>Today, clinical pathologists can perform genomic sequencing on a patient’s tumour sample to determine if it carries mutations that could aid in treatment, and to match individual patients with available therapies or clinical trials that would benefit them</a:t>
+              <a:t>Today, clinical pathologists can perform genomic sequencing on a patient’s tumour sample to determine if it carries mutations that could aid in treatment, or clinical trials</a:t>
             </a:r>
             <a:r>
               <a:rPr lang="en-SG" baseline="30000" dirty="0"/>
               <a:t>2</a:t>
             </a:r>
-            <a:r>
-              <a:rPr lang="en-SG" dirty="0"/>
-              <a:t>.</a:t>
-            </a:r>
+            <a:endParaRPr lang="en-SG" dirty="0"/>
           </a:p>
           <a:p>
             <a:r>
@@ -5117,7 +5114,13 @@
           <a:p>
             <a:r>
               <a:rPr lang="en-SG" dirty="0"/>
-              <a:t>Success measures: balanced (weighted) accuracy and F1 scores, beat baseline accuracy (0.287) by ≥ 10%</a:t>
+              <a:t>Metrics: balanced (weighted) accuracy and F1 scores, micro-average AUC</a:t>
+            </a:r>
+          </a:p>
+          <a:p>
+            <a:r>
+              <a:rPr lang="en-SG" dirty="0"/>
+              <a:t>Success measure: beat baseline accuracy (0.287) by ≥ 10%</a:t>
             </a:r>
           </a:p>
         </p:txBody>
@@ -5637,7 +5640,7 @@
           <p:spPr>
             <a:xfrm>
               <a:off x="6035707" y="2398632"/>
-              <a:ext cx="1204128" cy="851297"/>
+              <a:ext cx="1072003" cy="851297"/>
             </a:xfrm>
             <a:prstGeom prst="roundRect">
               <a:avLst/>
@@ -5660,7 +5663,7 @@
             </a:fontRef>
           </p:style>
           <p:txBody>
-            <a:bodyPr rtlCol="0" anchor="ctr">
+            <a:bodyPr wrap="square" rtlCol="0" anchor="ctr">
               <a:spAutoFit/>
             </a:bodyPr>
             <a:lstStyle/>
@@ -5707,7 +5710,7 @@
           <p:spPr>
             <a:xfrm>
               <a:off x="5790170" y="2824281"/>
-              <a:ext cx="245537" cy="5686"/>
+              <a:ext cx="245537" cy="0"/>
             </a:xfrm>
             <a:prstGeom prst="straightConnector1">
               <a:avLst/>
@@ -5745,8 +5748,8 @@
           </p:nvSpPr>
           <p:spPr>
             <a:xfrm>
-              <a:off x="7517319" y="2410005"/>
-              <a:ext cx="942074" cy="851297"/>
+              <a:off x="7431203" y="2316363"/>
+              <a:ext cx="1028190" cy="1038582"/>
             </a:xfrm>
             <a:prstGeom prst="roundRect">
               <a:avLst/>
@@ -5784,14 +5787,7 @@
               <a:pPr algn="ctr"/>
               <a:r>
                 <a:rPr lang="en-SG" sz="1100" dirty="0"/>
-                <a:t>(ADASYN)</a:t>
-              </a:r>
-            </a:p>
-            <a:p>
-              <a:pPr algn="ctr"/>
-              <a:r>
-                <a:rPr lang="en-SG" sz="1100" dirty="0"/>
-                <a:t>and scaling</a:t>
+                <a:t>(ADASYN), scaling and PCA</a:t>
               </a:r>
             </a:p>
           </p:txBody>
@@ -5928,8 +5924,8 @@
           </p:nvCxnSpPr>
           <p:spPr>
             <a:xfrm>
-              <a:off x="7239835" y="2824281"/>
-              <a:ext cx="277484" cy="5687"/>
+              <a:off x="7107710" y="2824281"/>
+              <a:ext cx="323493" cy="11373"/>
             </a:xfrm>
             <a:prstGeom prst="straightConnector1">
               <a:avLst/>
@@ -5970,9 +5966,9 @@
             <p:nvPr/>
           </p:nvCxnSpPr>
           <p:spPr>
-            <a:xfrm>
-              <a:off x="8459393" y="2829968"/>
-              <a:ext cx="289350" cy="3374"/>
+            <a:xfrm flipV="1">
+              <a:off x="8459393" y="2833342"/>
+              <a:ext cx="289350" cy="2312"/>
             </a:xfrm>
             <a:prstGeom prst="straightConnector1">
               <a:avLst/>
@@ -6903,7 +6899,7 @@
           <p:spPr>
             <a:xfrm>
               <a:off x="6051682" y="5308246"/>
-              <a:ext cx="1204128" cy="1038582"/>
+              <a:ext cx="1056028" cy="1038582"/>
             </a:xfrm>
             <a:prstGeom prst="roundRect">
               <a:avLst/>
@@ -6926,7 +6922,7 @@
             </a:fontRef>
           </p:style>
           <p:txBody>
-            <a:bodyPr rtlCol="0" anchor="ctr">
+            <a:bodyPr wrap="square" rtlCol="0" anchor="ctr">
               <a:spAutoFit/>
             </a:bodyPr>
             <a:lstStyle/>
@@ -7054,8 +7050,8 @@
           </p:nvSpPr>
           <p:spPr>
             <a:xfrm>
-              <a:off x="7517318" y="5401887"/>
-              <a:ext cx="942075" cy="851297"/>
+              <a:off x="7431204" y="5308245"/>
+              <a:ext cx="1028190" cy="1038582"/>
             </a:xfrm>
             <a:prstGeom prst="roundRect">
               <a:avLst/>
@@ -7093,7 +7089,7 @@
               <a:pPr algn="ctr"/>
               <a:r>
                 <a:rPr lang="en-SG" sz="1100" dirty="0"/>
-                <a:t>(ADASYN) and scaling</a:t>
+                <a:t>(ADASYN), scaling and PCA</a:t>
               </a:r>
             </a:p>
           </p:txBody>
@@ -7116,8 +7112,8 @@
           </p:nvCxnSpPr>
           <p:spPr>
             <a:xfrm flipV="1">
-              <a:off x="7255810" y="5827536"/>
-              <a:ext cx="261508" cy="1"/>
+              <a:off x="7107710" y="5827536"/>
+              <a:ext cx="323494" cy="1"/>
             </a:xfrm>
             <a:prstGeom prst="straightConnector1">
               <a:avLst/>
@@ -7273,8 +7269,8 @@
           </p:nvCxnSpPr>
           <p:spPr>
             <a:xfrm>
-              <a:off x="8459393" y="5827536"/>
-              <a:ext cx="289349" cy="1"/>
+              <a:off x="8459394" y="5827536"/>
+              <a:ext cx="289348" cy="1"/>
             </a:xfrm>
             <a:prstGeom prst="straightConnector1">
               <a:avLst/>
@@ -7815,7 +7811,15 @@
           <a:p>
             <a:r>
               <a:rPr lang="en-SG" dirty="0"/>
-              <a:t>Report Card (as of 11-Apr)</a:t>
+              <a:t>Report Card (as </a:t>
+            </a:r>
+            <a:r>
+              <a:rPr lang="en-SG"/>
+              <a:t>of 13-Apr</a:t>
+            </a:r>
+            <a:r>
+              <a:rPr lang="en-SG" dirty="0"/>
+              <a:t>)</a:t>
             </a:r>
           </a:p>
         </p:txBody>
@@ -7836,14 +7840,14 @@
             <p:ph idx="1"/>
             <p:extLst>
               <p:ext uri="{D42A27DB-BD31-4B8C-83A1-F6EECF244321}">
-                <p14:modId xmlns:p14="http://schemas.microsoft.com/office/powerpoint/2010/main" val="3072025453"/>
+                <p14:modId xmlns:p14="http://schemas.microsoft.com/office/powerpoint/2010/main" val="1418356825"/>
               </p:ext>
             </p:extLst>
           </p:nvPr>
         </p:nvGraphicFramePr>
         <p:xfrm>
           <a:off x="581024" y="2049145"/>
-          <a:ext cx="11029616" cy="3931920"/>
+          <a:ext cx="11029614" cy="3931920"/>
         </p:xfrm>
         <a:graphic>
           <a:graphicData uri="http://schemas.openxmlformats.org/drawingml/2006/table">
@@ -7852,28 +7856,28 @@
                 <a:tableStyleId>{5C22544A-7EE6-4342-B048-85BDC9FD1C3A}</a:tableStyleId>
               </a:tblPr>
               <a:tblGrid>
-                <a:gridCol w="485306">
+                <a:gridCol w="502115">
                   <a:extLst>
                     <a:ext uri="{9D8B030D-6E8A-4147-A177-3AD203B41FA5}">
                       <a16:colId xmlns:a16="http://schemas.microsoft.com/office/drawing/2014/main" val="2002711194"/>
                     </a:ext>
                   </a:extLst>
                 </a:gridCol>
-                <a:gridCol w="3779320">
+                <a:gridCol w="3620870">
                   <a:extLst>
                     <a:ext uri="{9D8B030D-6E8A-4147-A177-3AD203B41FA5}">
                       <a16:colId xmlns:a16="http://schemas.microsoft.com/office/drawing/2014/main" val="828516001"/>
                     </a:ext>
                   </a:extLst>
                 </a:gridCol>
-                <a:gridCol w="1148755">
+                <a:gridCol w="1095866">
                   <a:extLst>
                     <a:ext uri="{9D8B030D-6E8A-4147-A177-3AD203B41FA5}">
                       <a16:colId xmlns:a16="http://schemas.microsoft.com/office/drawing/2014/main" val="479085933"/>
                     </a:ext>
                   </a:extLst>
                 </a:gridCol>
-                <a:gridCol w="5616235">
+                <a:gridCol w="5810763">
                   <a:extLst>
                     <a:ext uri="{9D8B030D-6E8A-4147-A177-3AD203B41FA5}">
                       <a16:colId xmlns:a16="http://schemas.microsoft.com/office/drawing/2014/main" val="849727674"/>
@@ -8001,7 +8005,15 @@
                       </a:pPr>
                       <a:r>
                         <a:rPr lang="en-SG" sz="1400" dirty="0"/>
-                        <a:t>Achieved the following:</a:t>
+                        <a:t>Logistic Regression Classifier based on </a:t>
+                      </a:r>
+                      <a:r>
+                        <a:rPr lang="en-SG" sz="1400" dirty="0" err="1"/>
+                        <a:t>Tfidf</a:t>
+                      </a:r>
+                      <a:r>
+                        <a:rPr lang="en-SG" sz="1400" dirty="0"/>
+                        <a:t> weighted word counts:</a:t>
                       </a:r>
                     </a:p>
                     <a:p>
@@ -8011,7 +8023,7 @@
                       </a:pPr>
                       <a:r>
                         <a:rPr lang="en-SG" sz="1400" dirty="0"/>
-                        <a:t>Balanced accuracy score: 0.533</a:t>
+                        <a:t>Balanced accuracy score: 0.540</a:t>
                       </a:r>
                     </a:p>
                     <a:p>
@@ -8021,7 +8033,7 @@
                       </a:pPr>
                       <a:r>
                         <a:rPr lang="en-SG" sz="1400" dirty="0"/>
-                        <a:t>Balanced F1 score: 0.599</a:t>
+                        <a:t>Balanced F1 score: 0.618</a:t>
                       </a:r>
                     </a:p>
                     <a:p>
@@ -8031,7 +8043,7 @@
                       </a:pPr>
                       <a:r>
                         <a:rPr lang="en-SG" sz="1400" dirty="0"/>
-                        <a:t>Micro-average AUC: 0.879 </a:t>
+                        <a:t>Micro-average AUC: 0.760 </a:t>
                       </a:r>
                     </a:p>
                   </a:txBody>
@@ -8119,7 +8131,7 @@
                       </a:pPr>
                       <a:r>
                         <a:rPr lang="en-SG" sz="1400" dirty="0"/>
-                        <a:t>Achieved the following:</a:t>
+                        <a:t>Forward Neural Network based on mean Word2Vec word embeddings:</a:t>
                       </a:r>
                     </a:p>
                     <a:p>
@@ -8129,7 +8141,7 @@
                       </a:pPr>
                       <a:r>
                         <a:rPr lang="en-SG" sz="1400" dirty="0"/>
-                        <a:t>Balanced accuracy score: 0.407</a:t>
+                        <a:t>Balanced accuracy score: 0.393</a:t>
                       </a:r>
                     </a:p>
                     <a:p>
@@ -8139,7 +8151,7 @@
                       </a:pPr>
                       <a:r>
                         <a:rPr lang="en-SG" sz="1400" dirty="0"/>
-                        <a:t>Balanced F1 score: 0.450</a:t>
+                        <a:t>Balanced F1 score: 0.415</a:t>
                       </a:r>
                     </a:p>
                     <a:p>
@@ -8149,7 +8161,7 @@
                       </a:pPr>
                       <a:r>
                         <a:rPr lang="en-SG" sz="1400" dirty="0"/>
-                        <a:t>Micro-average AUC: 0.689</a:t>
+                        <a:t>Micro-average AUC: 0.713</a:t>
                       </a:r>
                     </a:p>
                   </a:txBody>
@@ -8258,7 +8270,7 @@
                     <a:p>
                       <a:r>
                         <a:rPr lang="en-SG" sz="1400" dirty="0"/>
-                        <a:t>Deal with too many features</a:t>
+                        <a:t>Reduce overfitting (too many features)</a:t>
                       </a:r>
                     </a:p>
                   </a:txBody>
@@ -8299,7 +8311,7 @@
                       </a:pPr>
                       <a:r>
                         <a:rPr lang="en-SG" sz="1400" dirty="0"/>
-                        <a:t>Used PCA (no. of features has dropped from ~76k to ~5k!)</a:t>
+                        <a:t>Used PCA (no. of features dropped from ~76k to ~2k!)</a:t>
                       </a:r>
                     </a:p>
                   </a:txBody>
